--- a/documents/projectmanagement/Allgemeines/Unternehmensanalyse-Struktur.pptx
+++ b/documents/projectmanagement/Allgemeines/Unternehmensanalyse-Struktur.pptx
@@ -10,6 +10,9 @@
     <p:sldId id="260" r:id="rId4"/>
     <p:sldId id="258" r:id="rId5"/>
     <p:sldId id="259" r:id="rId6"/>
+    <p:sldId id="261" r:id="rId7"/>
+    <p:sldId id="262" r:id="rId8"/>
+    <p:sldId id="263" r:id="rId9"/>
   </p:sldIdLst>
   <p:sldSz cx="12192000" cy="6858000"/>
   <p:notesSz cx="6858000" cy="9144000"/>
@@ -108,6 +111,11 @@
       </a:defRPr>
     </a:lvl9pPr>
   </p:defaultTextStyle>
+  <p:extLst>
+    <p:ext uri="{EFAFB233-063F-42B5-8137-9DF3F51BA10A}">
+      <p15:sldGuideLst xmlns:p15="http://schemas.microsoft.com/office/powerpoint/2012/main"/>
+    </p:ext>
+  </p:extLst>
 </p:presentation>
 </file>
 
@@ -953,7 +961,7 @@
         <a:p>
           <a:r>
             <a:rPr lang="de-DE" dirty="0"/>
-            <a:t>Standortleiter „Bodensee“</a:t>
+            <a:t>Standortleiter „Lörrach“</a:t>
           </a:r>
         </a:p>
       </dgm:t>
@@ -1330,6 +1338,53 @@
       </dgm:t>
     </dgm:pt>
     <dgm:pt modelId="{1BC7731A-FCBA-4500-B92F-17D120F92992}" type="sibTrans" cxnId="{3BA7BFCF-ABBF-478B-B617-36AF8D6A9042}">
+      <dgm:prSet/>
+      <dgm:spPr/>
+      <dgm:t>
+        <a:bodyPr/>
+        <a:lstStyle/>
+        <a:p>
+          <a:endParaRPr lang="de-DE"/>
+        </a:p>
+      </dgm:t>
+    </dgm:pt>
+    <dgm:pt modelId="{DE15FD1A-08D4-4C7A-AC48-F4152B5DAA1B}">
+      <dgm:prSet phldrT="[Text]"/>
+      <dgm:spPr/>
+      <dgm:t>
+        <a:bodyPr/>
+        <a:lstStyle/>
+        <a:p>
+          <a:r>
+            <a:rPr lang="de-DE" dirty="0" err="1"/>
+            <a:t>Red</a:t>
+          </a:r>
+          <a:r>
+            <a:rPr lang="de-DE" dirty="0"/>
+            <a:t> Stag GmbH</a:t>
+          </a:r>
+          <a:br>
+            <a:rPr lang="de-DE" dirty="0"/>
+          </a:br>
+          <a:r>
+            <a:rPr lang="de-DE" dirty="0"/>
+            <a:t>„IT Dienstleister“</a:t>
+          </a:r>
+        </a:p>
+      </dgm:t>
+    </dgm:pt>
+    <dgm:pt modelId="{84FBFD09-3358-492E-BA6C-8A6C2DCC5531}" type="parTrans" cxnId="{3E911198-AA18-4D8F-AACC-4F13AE67656C}">
+      <dgm:prSet/>
+      <dgm:spPr/>
+      <dgm:t>
+        <a:bodyPr/>
+        <a:lstStyle/>
+        <a:p>
+          <a:endParaRPr lang="de-DE"/>
+        </a:p>
+      </dgm:t>
+    </dgm:pt>
+    <dgm:pt modelId="{EACFFC38-AB33-4095-8517-25FBC8E60040}" type="sibTrans" cxnId="{3E911198-AA18-4D8F-AACC-4F13AE67656C}">
       <dgm:prSet/>
       <dgm:spPr/>
       <dgm:t>
@@ -1414,7 +1469,7 @@
       <dgm:spPr/>
     </dgm:pt>
     <dgm:pt modelId="{DCB46DA2-2370-459F-BFC7-4BD37C1241BE}" type="pres">
-      <dgm:prSet presAssocID="{F90451BA-6985-43DD-8FED-D6387E4CEA79}" presName="Name37" presStyleLbl="parChTrans1D3" presStyleIdx="0" presStyleCnt="7"/>
+      <dgm:prSet presAssocID="{F90451BA-6985-43DD-8FED-D6387E4CEA79}" presName="Name37" presStyleLbl="parChTrans1D3" presStyleIdx="0" presStyleCnt="8"/>
       <dgm:spPr/>
     </dgm:pt>
     <dgm:pt modelId="{E7A1B552-D9E0-4A4B-AE70-27B3D3ED1FF0}" type="pres">
@@ -1430,7 +1485,7 @@
       <dgm:spPr/>
     </dgm:pt>
     <dgm:pt modelId="{37189036-D960-4DA3-808A-7EEFD0DDA2E2}" type="pres">
-      <dgm:prSet presAssocID="{97E0E60A-6AA0-4E39-8E39-B0EF5A2D50F7}" presName="rootText" presStyleLbl="node3" presStyleIdx="0" presStyleCnt="7">
+      <dgm:prSet presAssocID="{97E0E60A-6AA0-4E39-8E39-B0EF5A2D50F7}" presName="rootText" presStyleLbl="node3" presStyleIdx="0" presStyleCnt="8">
         <dgm:presLayoutVars>
           <dgm:chPref val="3"/>
         </dgm:presLayoutVars>
@@ -1438,7 +1493,7 @@
       <dgm:spPr/>
     </dgm:pt>
     <dgm:pt modelId="{6C179032-78D6-4339-8D83-B8863FA950E3}" type="pres">
-      <dgm:prSet presAssocID="{97E0E60A-6AA0-4E39-8E39-B0EF5A2D50F7}" presName="rootConnector" presStyleLbl="node3" presStyleIdx="0" presStyleCnt="7"/>
+      <dgm:prSet presAssocID="{97E0E60A-6AA0-4E39-8E39-B0EF5A2D50F7}" presName="rootConnector" presStyleLbl="node3" presStyleIdx="0" presStyleCnt="8"/>
       <dgm:spPr/>
     </dgm:pt>
     <dgm:pt modelId="{AD44FA92-A0C0-4F00-9F26-B50532C8B7FD}" type="pres">
@@ -1486,7 +1541,7 @@
       <dgm:spPr/>
     </dgm:pt>
     <dgm:pt modelId="{256DCAF8-7FF8-4055-9F0E-DC5C8A957125}" type="pres">
-      <dgm:prSet presAssocID="{24783B71-1F4B-4303-AE70-398C71E62DC6}" presName="Name37" presStyleLbl="parChTrans1D3" presStyleIdx="1" presStyleCnt="7"/>
+      <dgm:prSet presAssocID="{24783B71-1F4B-4303-AE70-398C71E62DC6}" presName="Name37" presStyleLbl="parChTrans1D3" presStyleIdx="1" presStyleCnt="8"/>
       <dgm:spPr/>
     </dgm:pt>
     <dgm:pt modelId="{69E90619-FF81-4CED-8B4E-2B65A98A37AA}" type="pres">
@@ -1502,7 +1557,7 @@
       <dgm:spPr/>
     </dgm:pt>
     <dgm:pt modelId="{84B32634-B0D7-45F7-97E8-538B9A30D4FF}" type="pres">
-      <dgm:prSet presAssocID="{EBCDB6D7-9D0C-478E-8708-6E85ECB5152D}" presName="rootText" presStyleLbl="node3" presStyleIdx="1" presStyleCnt="7">
+      <dgm:prSet presAssocID="{EBCDB6D7-9D0C-478E-8708-6E85ECB5152D}" presName="rootText" presStyleLbl="node3" presStyleIdx="1" presStyleCnt="8">
         <dgm:presLayoutVars>
           <dgm:chPref val="3"/>
         </dgm:presLayoutVars>
@@ -1510,7 +1565,7 @@
       <dgm:spPr/>
     </dgm:pt>
     <dgm:pt modelId="{8E564517-A918-4529-A03C-29066CBA1EDD}" type="pres">
-      <dgm:prSet presAssocID="{EBCDB6D7-9D0C-478E-8708-6E85ECB5152D}" presName="rootConnector" presStyleLbl="node3" presStyleIdx="1" presStyleCnt="7"/>
+      <dgm:prSet presAssocID="{EBCDB6D7-9D0C-478E-8708-6E85ECB5152D}" presName="rootConnector" presStyleLbl="node3" presStyleIdx="1" presStyleCnt="8"/>
       <dgm:spPr/>
     </dgm:pt>
     <dgm:pt modelId="{7C15CFD4-F122-4231-A553-F3110B2D45A8}" type="pres">
@@ -1522,7 +1577,7 @@
       <dgm:spPr/>
     </dgm:pt>
     <dgm:pt modelId="{727E7401-5D30-4BC3-93DB-E02199E6C250}" type="pres">
-      <dgm:prSet presAssocID="{C7B4DAE0-A3D2-49CF-A15D-A843106997F2}" presName="Name37" presStyleLbl="parChTrans1D3" presStyleIdx="2" presStyleCnt="7"/>
+      <dgm:prSet presAssocID="{C7B4DAE0-A3D2-49CF-A15D-A843106997F2}" presName="Name37" presStyleLbl="parChTrans1D3" presStyleIdx="2" presStyleCnt="8"/>
       <dgm:spPr/>
     </dgm:pt>
     <dgm:pt modelId="{F170F73A-A24A-4F40-BB5D-1D5732277E89}" type="pres">
@@ -1538,7 +1593,7 @@
       <dgm:spPr/>
     </dgm:pt>
     <dgm:pt modelId="{0198F015-A086-4E40-8C03-25C9F58385E5}" type="pres">
-      <dgm:prSet presAssocID="{23BB840C-DC10-4229-88D7-C551803488EC}" presName="rootText" presStyleLbl="node3" presStyleIdx="2" presStyleCnt="7">
+      <dgm:prSet presAssocID="{23BB840C-DC10-4229-88D7-C551803488EC}" presName="rootText" presStyleLbl="node3" presStyleIdx="2" presStyleCnt="8">
         <dgm:presLayoutVars>
           <dgm:chPref val="3"/>
         </dgm:presLayoutVars>
@@ -1546,7 +1601,7 @@
       <dgm:spPr/>
     </dgm:pt>
     <dgm:pt modelId="{B304DD16-DB67-4CE5-9C1F-056DA0647F33}" type="pres">
-      <dgm:prSet presAssocID="{23BB840C-DC10-4229-88D7-C551803488EC}" presName="rootConnector" presStyleLbl="node3" presStyleIdx="2" presStyleCnt="7"/>
+      <dgm:prSet presAssocID="{23BB840C-DC10-4229-88D7-C551803488EC}" presName="rootConnector" presStyleLbl="node3" presStyleIdx="2" presStyleCnt="8"/>
       <dgm:spPr/>
     </dgm:pt>
     <dgm:pt modelId="{AD1CAD5E-6E7B-419D-AB51-F01D0CD69659}" type="pres">
@@ -1558,7 +1613,7 @@
       <dgm:spPr/>
     </dgm:pt>
     <dgm:pt modelId="{9DBA5C11-AA3F-4756-8E4A-9BB455948DBA}" type="pres">
-      <dgm:prSet presAssocID="{183DAC78-240C-4CE9-A36B-DDC3427AA921}" presName="Name37" presStyleLbl="parChTrans1D3" presStyleIdx="3" presStyleCnt="7"/>
+      <dgm:prSet presAssocID="{183DAC78-240C-4CE9-A36B-DDC3427AA921}" presName="Name37" presStyleLbl="parChTrans1D3" presStyleIdx="3" presStyleCnt="8"/>
       <dgm:spPr/>
     </dgm:pt>
     <dgm:pt modelId="{145CCDDE-1881-4FBF-9BC1-3B8DE2BE546F}" type="pres">
@@ -1574,7 +1629,7 @@
       <dgm:spPr/>
     </dgm:pt>
     <dgm:pt modelId="{6C1BA343-50AB-49B8-9DD5-A2A1557333F5}" type="pres">
-      <dgm:prSet presAssocID="{9B66ED26-AA41-49CF-B71C-AAEEF4AE275B}" presName="rootText" presStyleLbl="node3" presStyleIdx="3" presStyleCnt="7">
+      <dgm:prSet presAssocID="{9B66ED26-AA41-49CF-B71C-AAEEF4AE275B}" presName="rootText" presStyleLbl="node3" presStyleIdx="3" presStyleCnt="8">
         <dgm:presLayoutVars>
           <dgm:chPref val="3"/>
         </dgm:presLayoutVars>
@@ -1582,7 +1637,7 @@
       <dgm:spPr/>
     </dgm:pt>
     <dgm:pt modelId="{5DBA97F9-4DE5-4A02-8A71-EB200A132383}" type="pres">
-      <dgm:prSet presAssocID="{9B66ED26-AA41-49CF-B71C-AAEEF4AE275B}" presName="rootConnector" presStyleLbl="node3" presStyleIdx="3" presStyleCnt="7"/>
+      <dgm:prSet presAssocID="{9B66ED26-AA41-49CF-B71C-AAEEF4AE275B}" presName="rootConnector" presStyleLbl="node3" presStyleIdx="3" presStyleCnt="8"/>
       <dgm:spPr/>
     </dgm:pt>
     <dgm:pt modelId="{282D92AF-F80F-48D1-9056-56116D037E1D}" type="pres">
@@ -1594,7 +1649,7 @@
       <dgm:spPr/>
     </dgm:pt>
     <dgm:pt modelId="{E6A8E18C-1235-49BB-BA76-1048CC1FD37A}" type="pres">
-      <dgm:prSet presAssocID="{AA585338-B793-49D8-81C1-F607E05B310B}" presName="Name37" presStyleLbl="parChTrans1D3" presStyleIdx="4" presStyleCnt="7"/>
+      <dgm:prSet presAssocID="{AA585338-B793-49D8-81C1-F607E05B310B}" presName="Name37" presStyleLbl="parChTrans1D3" presStyleIdx="4" presStyleCnt="8"/>
       <dgm:spPr/>
     </dgm:pt>
     <dgm:pt modelId="{F66EEA71-80FC-4461-8E21-229DA31C5781}" type="pres">
@@ -1610,7 +1665,7 @@
       <dgm:spPr/>
     </dgm:pt>
     <dgm:pt modelId="{F54BE9DD-8309-480F-AFDB-96F442FE2604}" type="pres">
-      <dgm:prSet presAssocID="{D122B567-3CF0-4EE7-AA79-B870B1C6DDD3}" presName="rootText" presStyleLbl="node3" presStyleIdx="4" presStyleCnt="7">
+      <dgm:prSet presAssocID="{D122B567-3CF0-4EE7-AA79-B870B1C6DDD3}" presName="rootText" presStyleLbl="node3" presStyleIdx="4" presStyleCnt="8">
         <dgm:presLayoutVars>
           <dgm:chPref val="3"/>
         </dgm:presLayoutVars>
@@ -1618,7 +1673,7 @@
       <dgm:spPr/>
     </dgm:pt>
     <dgm:pt modelId="{59F7E2CF-BD4E-4834-8BC7-3D445922E752}" type="pres">
-      <dgm:prSet presAssocID="{D122B567-3CF0-4EE7-AA79-B870B1C6DDD3}" presName="rootConnector" presStyleLbl="node3" presStyleIdx="4" presStyleCnt="7"/>
+      <dgm:prSet presAssocID="{D122B567-3CF0-4EE7-AA79-B870B1C6DDD3}" presName="rootConnector" presStyleLbl="node3" presStyleIdx="4" presStyleCnt="8"/>
       <dgm:spPr/>
     </dgm:pt>
     <dgm:pt modelId="{7EE1F216-5CC1-4841-8C93-810BF762ABF7}" type="pres">
@@ -1666,7 +1721,7 @@
       <dgm:spPr/>
     </dgm:pt>
     <dgm:pt modelId="{5CBA6B8D-9CA8-41C6-8DC9-10EDC6838FDE}" type="pres">
-      <dgm:prSet presAssocID="{A767B3C6-7162-45C0-B027-EA01B34ED767}" presName="Name37" presStyleLbl="parChTrans1D3" presStyleIdx="5" presStyleCnt="7"/>
+      <dgm:prSet presAssocID="{A767B3C6-7162-45C0-B027-EA01B34ED767}" presName="Name37" presStyleLbl="parChTrans1D3" presStyleIdx="5" presStyleCnt="8"/>
       <dgm:spPr/>
     </dgm:pt>
     <dgm:pt modelId="{DFF2A60F-614D-41D8-9C4E-0779DF1DEF78}" type="pres">
@@ -1682,7 +1737,7 @@
       <dgm:spPr/>
     </dgm:pt>
     <dgm:pt modelId="{4B01C2A1-0EEF-4CEB-B16F-2B394E5FD0B9}" type="pres">
-      <dgm:prSet presAssocID="{E69F9754-B433-492E-A0DE-2F8AE212997E}" presName="rootText" presStyleLbl="node3" presStyleIdx="5" presStyleCnt="7">
+      <dgm:prSet presAssocID="{E69F9754-B433-492E-A0DE-2F8AE212997E}" presName="rootText" presStyleLbl="node3" presStyleIdx="5" presStyleCnt="8">
         <dgm:presLayoutVars>
           <dgm:chPref val="3"/>
         </dgm:presLayoutVars>
@@ -1690,7 +1745,7 @@
       <dgm:spPr/>
     </dgm:pt>
     <dgm:pt modelId="{DE348845-6D1F-4BC8-9BB1-8D90B84E84AC}" type="pres">
-      <dgm:prSet presAssocID="{E69F9754-B433-492E-A0DE-2F8AE212997E}" presName="rootConnector" presStyleLbl="node3" presStyleIdx="5" presStyleCnt="7"/>
+      <dgm:prSet presAssocID="{E69F9754-B433-492E-A0DE-2F8AE212997E}" presName="rootConnector" presStyleLbl="node3" presStyleIdx="5" presStyleCnt="8"/>
       <dgm:spPr/>
     </dgm:pt>
     <dgm:pt modelId="{E3564CCD-E0FD-4822-B64F-8EF64A995D90}" type="pres">
@@ -1737,6 +1792,42 @@
       <dgm:prSet presAssocID="{9F56B558-156C-420E-A41C-D076C52D2CB1}" presName="hierChild4" presStyleCnt="0"/>
       <dgm:spPr/>
     </dgm:pt>
+    <dgm:pt modelId="{51A4D710-07D7-4CFE-8F67-4B5701B39664}" type="pres">
+      <dgm:prSet presAssocID="{84FBFD09-3358-492E-BA6C-8A6C2DCC5531}" presName="Name37" presStyleLbl="parChTrans1D3" presStyleIdx="6" presStyleCnt="8"/>
+      <dgm:spPr/>
+    </dgm:pt>
+    <dgm:pt modelId="{BDDF2880-FCCE-48AB-BEDA-4E464C399628}" type="pres">
+      <dgm:prSet presAssocID="{DE15FD1A-08D4-4C7A-AC48-F4152B5DAA1B}" presName="hierRoot2" presStyleCnt="0">
+        <dgm:presLayoutVars>
+          <dgm:hierBranch val="init"/>
+        </dgm:presLayoutVars>
+      </dgm:prSet>
+      <dgm:spPr/>
+    </dgm:pt>
+    <dgm:pt modelId="{A7EFFF75-18AB-41C8-837A-E0A811B7E265}" type="pres">
+      <dgm:prSet presAssocID="{DE15FD1A-08D4-4C7A-AC48-F4152B5DAA1B}" presName="rootComposite" presStyleCnt="0"/>
+      <dgm:spPr/>
+    </dgm:pt>
+    <dgm:pt modelId="{330999B9-0B68-460F-85D3-B9F7A543D18D}" type="pres">
+      <dgm:prSet presAssocID="{DE15FD1A-08D4-4C7A-AC48-F4152B5DAA1B}" presName="rootText" presStyleLbl="node3" presStyleIdx="6" presStyleCnt="8">
+        <dgm:presLayoutVars>
+          <dgm:chPref val="3"/>
+        </dgm:presLayoutVars>
+      </dgm:prSet>
+      <dgm:spPr/>
+    </dgm:pt>
+    <dgm:pt modelId="{39F0D859-73C4-41D8-B6DF-A332F819B02E}" type="pres">
+      <dgm:prSet presAssocID="{DE15FD1A-08D4-4C7A-AC48-F4152B5DAA1B}" presName="rootConnector" presStyleLbl="node3" presStyleIdx="6" presStyleCnt="8"/>
+      <dgm:spPr/>
+    </dgm:pt>
+    <dgm:pt modelId="{54E87F7C-41BC-41DB-8F45-52DE00DCBAC7}" type="pres">
+      <dgm:prSet presAssocID="{DE15FD1A-08D4-4C7A-AC48-F4152B5DAA1B}" presName="hierChild4" presStyleCnt="0"/>
+      <dgm:spPr/>
+    </dgm:pt>
+    <dgm:pt modelId="{DCD7B699-57E2-4B73-9452-6C899F3FE708}" type="pres">
+      <dgm:prSet presAssocID="{DE15FD1A-08D4-4C7A-AC48-F4152B5DAA1B}" presName="hierChild5" presStyleCnt="0"/>
+      <dgm:spPr/>
+    </dgm:pt>
     <dgm:pt modelId="{58E81DAB-8985-4B55-BCAC-09DFF6B3C14C}" type="pres">
       <dgm:prSet presAssocID="{9F56B558-156C-420E-A41C-D076C52D2CB1}" presName="hierChild5" presStyleCnt="0"/>
       <dgm:spPr/>
@@ -1774,7 +1865,7 @@
       <dgm:spPr/>
     </dgm:pt>
     <dgm:pt modelId="{51EA441B-C57B-433D-9646-85532C1D524F}" type="pres">
-      <dgm:prSet presAssocID="{CD9492FB-BE25-45EC-8463-1FFDDE2B39DF}" presName="Name37" presStyleLbl="parChTrans1D3" presStyleIdx="6" presStyleCnt="7"/>
+      <dgm:prSet presAssocID="{CD9492FB-BE25-45EC-8463-1FFDDE2B39DF}" presName="Name37" presStyleLbl="parChTrans1D3" presStyleIdx="7" presStyleCnt="8"/>
       <dgm:spPr/>
     </dgm:pt>
     <dgm:pt modelId="{EEBF673C-716D-422C-9860-C9795344F245}" type="pres">
@@ -1790,7 +1881,7 @@
       <dgm:spPr/>
     </dgm:pt>
     <dgm:pt modelId="{8C646701-CB29-46C5-B706-E9E49D8AEC2D}" type="pres">
-      <dgm:prSet presAssocID="{73A47F89-E190-482F-91E6-9E0B35DC5FA5}" presName="rootText" presStyleLbl="node3" presStyleIdx="6" presStyleCnt="7">
+      <dgm:prSet presAssocID="{73A47F89-E190-482F-91E6-9E0B35DC5FA5}" presName="rootText" presStyleLbl="node3" presStyleIdx="7" presStyleCnt="8">
         <dgm:presLayoutVars>
           <dgm:chPref val="3"/>
         </dgm:presLayoutVars>
@@ -1798,7 +1889,7 @@
       <dgm:spPr/>
     </dgm:pt>
     <dgm:pt modelId="{E8308DBC-F240-4DFA-8DC5-034AA5F48E67}" type="pres">
-      <dgm:prSet presAssocID="{73A47F89-E190-482F-91E6-9E0B35DC5FA5}" presName="rootConnector" presStyleLbl="node3" presStyleIdx="6" presStyleCnt="7"/>
+      <dgm:prSet presAssocID="{73A47F89-E190-482F-91E6-9E0B35DC5FA5}" presName="rootConnector" presStyleLbl="node3" presStyleIdx="7" presStyleCnt="8"/>
       <dgm:spPr/>
     </dgm:pt>
     <dgm:pt modelId="{357CCD6C-ABCB-4A71-AC4E-5161EAD628D8}" type="pres">
@@ -1819,58 +1910,62 @@
     </dgm:pt>
   </dgm:ptLst>
   <dgm:cxnLst>
-    <dgm:cxn modelId="{1C1A2186-7A87-4ACF-A874-1B2075AA3B47}" srcId="{BCD302B1-DFEA-44FA-A081-B0A99FAE1E8F}" destId="{D122B567-3CF0-4EE7-AA79-B870B1C6DDD3}" srcOrd="3" destOrd="0" parTransId="{AA585338-B793-49D8-81C1-F607E05B310B}" sibTransId="{A9A45C80-45A7-470E-A7BE-488427E2F9A2}"/>
+    <dgm:cxn modelId="{EA2434BF-52FB-47B6-9739-6F802683563A}" srcId="{5606DC2D-0E85-4D5E-87C8-9E30A7226C98}" destId="{97E0E60A-6AA0-4E39-8E39-B0EF5A2D50F7}" srcOrd="0" destOrd="0" parTransId="{F90451BA-6985-43DD-8FED-D6387E4CEA79}" sibTransId="{DAD8FCC7-E22F-40F9-92AE-116BA0DCAEC6}"/>
+    <dgm:cxn modelId="{8475C8D7-1864-40D9-B827-642D0781A2EF}" type="presOf" srcId="{B7DC8603-2C6C-4F8B-84AF-9ACFA6A5C94F}" destId="{4DB7144A-9172-4C60-84E5-B14DE5ED42E1}" srcOrd="0" destOrd="0" presId="urn:microsoft.com/office/officeart/2005/8/layout/orgChart1"/>
+    <dgm:cxn modelId="{C3007A44-80CF-4A41-8470-6BF7DDA5DD17}" type="presOf" srcId="{BCD302B1-DFEA-44FA-A081-B0A99FAE1E8F}" destId="{693CBE3E-6ACD-4B7F-A3CB-77101F0AEF60}" srcOrd="1" destOrd="0" presId="urn:microsoft.com/office/officeart/2005/8/layout/orgChart1"/>
+    <dgm:cxn modelId="{9C27BCE7-4931-497E-A2C4-FCA0EF5BAE2F}" type="presOf" srcId="{DE15FD1A-08D4-4C7A-AC48-F4152B5DAA1B}" destId="{330999B9-0B68-460F-85D3-B9F7A543D18D}" srcOrd="0" destOrd="0" presId="urn:microsoft.com/office/officeart/2005/8/layout/orgChart1"/>
+    <dgm:cxn modelId="{6DA32A42-3A14-4945-B407-F48D357A2E02}" type="presOf" srcId="{A767B3C6-7162-45C0-B027-EA01B34ED767}" destId="{5CBA6B8D-9CA8-41C6-8DC9-10EDC6838FDE}" srcOrd="0" destOrd="0" presId="urn:microsoft.com/office/officeart/2005/8/layout/orgChart1"/>
+    <dgm:cxn modelId="{00AA5EEC-AA33-49AF-BB2A-3955046AF545}" type="presOf" srcId="{97E0E60A-6AA0-4E39-8E39-B0EF5A2D50F7}" destId="{37189036-D960-4DA3-808A-7EEFD0DDA2E2}" srcOrd="0" destOrd="0" presId="urn:microsoft.com/office/officeart/2005/8/layout/orgChart1"/>
+    <dgm:cxn modelId="{589D4934-87BD-4649-92D9-AC37AC064198}" type="presOf" srcId="{DE15FD1A-08D4-4C7A-AC48-F4152B5DAA1B}" destId="{39F0D859-73C4-41D8-B6DF-A332F819B02E}" srcOrd="1" destOrd="0" presId="urn:microsoft.com/office/officeart/2005/8/layout/orgChart1"/>
+    <dgm:cxn modelId="{2F7605DF-201E-40E2-B9AA-C8D8EC512836}" type="presOf" srcId="{D122B567-3CF0-4EE7-AA79-B870B1C6DDD3}" destId="{F54BE9DD-8309-480F-AFDB-96F442FE2604}" srcOrd="0" destOrd="0" presId="urn:microsoft.com/office/officeart/2005/8/layout/orgChart1"/>
+    <dgm:cxn modelId="{EB2FBDBC-B858-4804-B09B-3E53FE1891EB}" type="presOf" srcId="{D122B567-3CF0-4EE7-AA79-B870B1C6DDD3}" destId="{59F7E2CF-BD4E-4834-8BC7-3D445922E752}" srcOrd="1" destOrd="0" presId="urn:microsoft.com/office/officeart/2005/8/layout/orgChart1"/>
+    <dgm:cxn modelId="{B6893D50-0811-4741-B7A8-D26E1AF66497}" type="presOf" srcId="{AA585338-B793-49D8-81C1-F607E05B310B}" destId="{E6A8E18C-1235-49BB-BA76-1048CC1FD37A}" srcOrd="0" destOrd="0" presId="urn:microsoft.com/office/officeart/2005/8/layout/orgChart1"/>
+    <dgm:cxn modelId="{02D3EB9A-51AF-4D1D-B79D-6DFE67E56DEC}" srcId="{43BC483D-DACF-4500-8C60-3E6FCB8D8D98}" destId="{9F56B558-156C-420E-A41C-D076C52D2CB1}" srcOrd="3" destOrd="0" parTransId="{193E0BA4-98FC-4BCF-99F3-87C6B96578D1}" sibTransId="{791F76CC-AD2C-422B-ACBB-D703CAE867D4}"/>
     <dgm:cxn modelId="{F00C2115-5D10-4A04-BA0D-790FC97886F3}" type="presOf" srcId="{24783B71-1F4B-4303-AE70-398C71E62DC6}" destId="{256DCAF8-7FF8-4055-9F0E-DC5C8A957125}" srcOrd="0" destOrd="0" presId="urn:microsoft.com/office/officeart/2005/8/layout/orgChart1"/>
-    <dgm:cxn modelId="{E263CD5B-67EC-4FBE-8592-30E4499532BA}" srcId="{43BC483D-DACF-4500-8C60-3E6FCB8D8D98}" destId="{5606DC2D-0E85-4D5E-87C8-9E30A7226C98}" srcOrd="0" destOrd="0" parTransId="{7B7FA086-25B0-4AB8-AE53-08ED856AC3DC}" sibTransId="{6F2B8AB3-7A98-4201-A960-1B72B95BFD69}"/>
-    <dgm:cxn modelId="{011AC67E-C099-499D-B7B8-767E220F50CC}" type="presOf" srcId="{73A47F89-E190-482F-91E6-9E0B35DC5FA5}" destId="{8C646701-CB29-46C5-B706-E9E49D8AEC2D}" srcOrd="0" destOrd="0" presId="urn:microsoft.com/office/officeart/2005/8/layout/orgChart1"/>
-    <dgm:cxn modelId="{0FBFC2B0-9FDC-4D14-A4EE-4FD6C7D29A17}" type="presOf" srcId="{9B66ED26-AA41-49CF-B71C-AAEEF4AE275B}" destId="{5DBA97F9-4DE5-4A02-8A71-EB200A132383}" srcOrd="1" destOrd="0" presId="urn:microsoft.com/office/officeart/2005/8/layout/orgChart1"/>
+    <dgm:cxn modelId="{DC84D65A-FA06-4BB5-AEF9-B2960F17DE75}" srcId="{50CCF042-F82E-4566-AFCB-A06515F65820}" destId="{43BC483D-DACF-4500-8C60-3E6FCB8D8D98}" srcOrd="0" destOrd="0" parTransId="{6EACCAD8-9196-4149-BC77-7AD5B961F5AE}" sibTransId="{3BE8D86B-8129-4B9A-81FB-D4ABB4BDEED2}"/>
+    <dgm:cxn modelId="{77BA465F-03FA-44CA-B8F8-A954BB5BA2A6}" srcId="{BCD302B1-DFEA-44FA-A081-B0A99FAE1E8F}" destId="{EBCDB6D7-9D0C-478E-8708-6E85ECB5152D}" srcOrd="0" destOrd="0" parTransId="{24783B71-1F4B-4303-AE70-398C71E62DC6}" sibTransId="{011747C7-8C53-44F0-8F32-9E4752BB604D}"/>
+    <dgm:cxn modelId="{44C71877-478D-4B88-9A50-94830AE51077}" type="presOf" srcId="{5606DC2D-0E85-4D5E-87C8-9E30A7226C98}" destId="{5AA5D51F-1F0D-46DF-A604-D77A641806FE}" srcOrd="0" destOrd="0" presId="urn:microsoft.com/office/officeart/2005/8/layout/orgChart1"/>
+    <dgm:cxn modelId="{7BE2A028-7A4C-44F6-A8BE-F0334D7D0DDE}" type="presOf" srcId="{43BC483D-DACF-4500-8C60-3E6FCB8D8D98}" destId="{869CC4BF-3D73-4479-9123-BE48A13F07EE}" srcOrd="1" destOrd="0" presId="urn:microsoft.com/office/officeart/2005/8/layout/orgChart1"/>
+    <dgm:cxn modelId="{FFFAA285-0573-46B0-899C-F0A656AAFA57}" type="presOf" srcId="{E69F9754-B433-492E-A0DE-2F8AE212997E}" destId="{DE348845-6D1F-4BC8-9BB1-8D90B84E84AC}" srcOrd="1" destOrd="0" presId="urn:microsoft.com/office/officeart/2005/8/layout/orgChart1"/>
+    <dgm:cxn modelId="{62E05E80-5695-418C-91CD-0D8458BA9985}" type="presOf" srcId="{B7DC8603-2C6C-4F8B-84AF-9ACFA6A5C94F}" destId="{764B4501-DB00-42DF-8128-1B848CFFB961}" srcOrd="1" destOrd="0" presId="urn:microsoft.com/office/officeart/2005/8/layout/orgChart1"/>
+    <dgm:cxn modelId="{43AF5F66-EFDB-42A0-AD61-1DD2674F7EB9}" type="presOf" srcId="{9B66ED26-AA41-49CF-B71C-AAEEF4AE275B}" destId="{6C1BA343-50AB-49B8-9DD5-A2A1557333F5}" srcOrd="0" destOrd="0" presId="urn:microsoft.com/office/officeart/2005/8/layout/orgChart1"/>
     <dgm:cxn modelId="{94326F2A-65F1-44E2-AD36-AB526D375EE4}" srcId="{BCD302B1-DFEA-44FA-A081-B0A99FAE1E8F}" destId="{9B66ED26-AA41-49CF-B71C-AAEEF4AE275B}" srcOrd="2" destOrd="0" parTransId="{183DAC78-240C-4CE9-A36B-DDC3427AA921}" sibTransId="{F7A699F5-FBFE-41BA-91DB-E04E13DD37B3}"/>
-    <dgm:cxn modelId="{B6893D50-0811-4741-B7A8-D26E1AF66497}" type="presOf" srcId="{AA585338-B793-49D8-81C1-F607E05B310B}" destId="{E6A8E18C-1235-49BB-BA76-1048CC1FD37A}" srcOrd="0" destOrd="0" presId="urn:microsoft.com/office/officeart/2005/8/layout/orgChart1"/>
-    <dgm:cxn modelId="{3BA7BFCF-ABBF-478B-B617-36AF8D6A9042}" srcId="{B7DC8603-2C6C-4F8B-84AF-9ACFA6A5C94F}" destId="{73A47F89-E190-482F-91E6-9E0B35DC5FA5}" srcOrd="0" destOrd="0" parTransId="{CD9492FB-BE25-45EC-8463-1FFDDE2B39DF}" sibTransId="{1BC7731A-FCBA-4500-B92F-17D120F92992}"/>
-    <dgm:cxn modelId="{CC6C17ED-4D5D-4926-9734-4F89E2EA26A9}" srcId="{635DFDC6-29D6-49EC-8177-BFFFAEFB1DEA}" destId="{E69F9754-B433-492E-A0DE-2F8AE212997E}" srcOrd="0" destOrd="0" parTransId="{A767B3C6-7162-45C0-B027-EA01B34ED767}" sibTransId="{9ED10598-3F79-4190-B732-B44397C99246}"/>
-    <dgm:cxn modelId="{EA2434BF-52FB-47B6-9739-6F802683563A}" srcId="{5606DC2D-0E85-4D5E-87C8-9E30A7226C98}" destId="{97E0E60A-6AA0-4E39-8E39-B0EF5A2D50F7}" srcOrd="0" destOrd="0" parTransId="{F90451BA-6985-43DD-8FED-D6387E4CEA79}" sibTransId="{DAD8FCC7-E22F-40F9-92AE-116BA0DCAEC6}"/>
-    <dgm:cxn modelId="{8B89D32E-5034-43EE-B810-0CBF2605DECA}" srcId="{43BC483D-DACF-4500-8C60-3E6FCB8D8D98}" destId="{B7DC8603-2C6C-4F8B-84AF-9ACFA6A5C94F}" srcOrd="4" destOrd="0" parTransId="{26663C83-12D6-479F-998D-D29ACB385DC4}" sibTransId="{0C11DD98-6C4C-4329-80B7-711DD70C6744}"/>
+    <dgm:cxn modelId="{6BE51055-8550-464C-8CF1-9830EA260105}" type="presOf" srcId="{23BB840C-DC10-4229-88D7-C551803488EC}" destId="{B304DD16-DB67-4CE5-9C1F-056DA0647F33}" srcOrd="1" destOrd="0" presId="urn:microsoft.com/office/officeart/2005/8/layout/orgChart1"/>
+    <dgm:cxn modelId="{0944E975-5D73-41F1-A60A-78DC7B91AE87}" type="presOf" srcId="{EBCDB6D7-9D0C-478E-8708-6E85ECB5152D}" destId="{84B32634-B0D7-45F7-97E8-538B9A30D4FF}" srcOrd="0" destOrd="0" presId="urn:microsoft.com/office/officeart/2005/8/layout/orgChart1"/>
+    <dgm:cxn modelId="{464AC0E2-393F-4C3A-950F-916B451B3E23}" srcId="{43BC483D-DACF-4500-8C60-3E6FCB8D8D98}" destId="{BCD302B1-DFEA-44FA-A081-B0A99FAE1E8F}" srcOrd="1" destOrd="0" parTransId="{A00B22FA-86E8-4F68-B9F3-96F7B70635B1}" sibTransId="{B1B32B2D-01B4-4DFD-AD2A-158D8C521DEA}"/>
+    <dgm:cxn modelId="{0BBEC771-4D45-4B05-A2E4-9D2ACDD659D2}" type="presOf" srcId="{C7B4DAE0-A3D2-49CF-A15D-A843106997F2}" destId="{727E7401-5D30-4BC3-93DB-E02199E6C250}" srcOrd="0" destOrd="0" presId="urn:microsoft.com/office/officeart/2005/8/layout/orgChart1"/>
     <dgm:cxn modelId="{B7A7FCAA-CBBB-442D-BB52-AE3510F81EC1}" type="presOf" srcId="{193E0BA4-98FC-4BCF-99F3-87C6B96578D1}" destId="{F0205A6E-F7A7-4D9D-B17A-8A41C04E9C72}" srcOrd="0" destOrd="0" presId="urn:microsoft.com/office/officeart/2005/8/layout/orgChart1"/>
-    <dgm:cxn modelId="{0944E975-5D73-41F1-A60A-78DC7B91AE87}" type="presOf" srcId="{EBCDB6D7-9D0C-478E-8708-6E85ECB5152D}" destId="{84B32634-B0D7-45F7-97E8-538B9A30D4FF}" srcOrd="0" destOrd="0" presId="urn:microsoft.com/office/officeart/2005/8/layout/orgChart1"/>
-    <dgm:cxn modelId="{7BE2A028-7A4C-44F6-A8BE-F0334D7D0DDE}" type="presOf" srcId="{43BC483D-DACF-4500-8C60-3E6FCB8D8D98}" destId="{869CC4BF-3D73-4479-9123-BE48A13F07EE}" srcOrd="1" destOrd="0" presId="urn:microsoft.com/office/officeart/2005/8/layout/orgChart1"/>
-    <dgm:cxn modelId="{6BE51055-8550-464C-8CF1-9830EA260105}" type="presOf" srcId="{23BB840C-DC10-4229-88D7-C551803488EC}" destId="{B304DD16-DB67-4CE5-9C1F-056DA0647F33}" srcOrd="1" destOrd="0" presId="urn:microsoft.com/office/officeart/2005/8/layout/orgChart1"/>
-    <dgm:cxn modelId="{6BE9AA45-65A9-4D73-BCBC-6B06C5798ED5}" type="presOf" srcId="{23BB840C-DC10-4229-88D7-C551803488EC}" destId="{0198F015-A086-4E40-8C03-25C9F58385E5}" srcOrd="0" destOrd="0" presId="urn:microsoft.com/office/officeart/2005/8/layout/orgChart1"/>
-    <dgm:cxn modelId="{6C4704E1-580A-4CCF-8FDF-1B1AA8B00867}" srcId="{BCD302B1-DFEA-44FA-A081-B0A99FAE1E8F}" destId="{23BB840C-DC10-4229-88D7-C551803488EC}" srcOrd="1" destOrd="0" parTransId="{C7B4DAE0-A3D2-49CF-A15D-A843106997F2}" sibTransId="{73EBC1E9-4A4D-40FD-AA5F-DB3F68D6D096}"/>
-    <dgm:cxn modelId="{FA124C40-56AA-490A-A753-BE0990D8ED75}" type="presOf" srcId="{A00B22FA-86E8-4F68-B9F3-96F7B70635B1}" destId="{FFC90F9D-7B2A-48AE-A03C-951DD9EFF07B}" srcOrd="0" destOrd="0" presId="urn:microsoft.com/office/officeart/2005/8/layout/orgChart1"/>
-    <dgm:cxn modelId="{6DA32A42-3A14-4945-B407-F48D357A2E02}" type="presOf" srcId="{A767B3C6-7162-45C0-B027-EA01B34ED767}" destId="{5CBA6B8D-9CA8-41C6-8DC9-10EDC6838FDE}" srcOrd="0" destOrd="0" presId="urn:microsoft.com/office/officeart/2005/8/layout/orgChart1"/>
-    <dgm:cxn modelId="{62E05E80-5695-418C-91CD-0D8458BA9985}" type="presOf" srcId="{B7DC8603-2C6C-4F8B-84AF-9ACFA6A5C94F}" destId="{764B4501-DB00-42DF-8128-1B848CFFB961}" srcOrd="1" destOrd="0" presId="urn:microsoft.com/office/officeart/2005/8/layout/orgChart1"/>
-    <dgm:cxn modelId="{9F64CDA9-CB86-4690-B903-9203D0221BE1}" type="presOf" srcId="{97E0E60A-6AA0-4E39-8E39-B0EF5A2D50F7}" destId="{6C179032-78D6-4339-8D83-B8863FA950E3}" srcOrd="1" destOrd="0" presId="urn:microsoft.com/office/officeart/2005/8/layout/orgChart1"/>
-    <dgm:cxn modelId="{D56D74C4-7E03-4ECB-8105-8A87DD15C815}" type="presOf" srcId="{50CCF042-F82E-4566-AFCB-A06515F65820}" destId="{1CEA0C8E-A5F1-4077-9058-1871C0E94C3F}" srcOrd="0" destOrd="0" presId="urn:microsoft.com/office/officeart/2005/8/layout/orgChart1"/>
-    <dgm:cxn modelId="{9A98A158-E10E-48C6-A65B-78A020DE4492}" type="presOf" srcId="{BCD302B1-DFEA-44FA-A081-B0A99FAE1E8F}" destId="{5CF8DFBC-9C4D-4AFA-BA15-3D75D13A32EE}" srcOrd="0" destOrd="0" presId="urn:microsoft.com/office/officeart/2005/8/layout/orgChart1"/>
-    <dgm:cxn modelId="{02D3EB9A-51AF-4D1D-B79D-6DFE67E56DEC}" srcId="{43BC483D-DACF-4500-8C60-3E6FCB8D8D98}" destId="{9F56B558-156C-420E-A41C-D076C52D2CB1}" srcOrd="3" destOrd="0" parTransId="{193E0BA4-98FC-4BCF-99F3-87C6B96578D1}" sibTransId="{791F76CC-AD2C-422B-ACBB-D703CAE867D4}"/>
-    <dgm:cxn modelId="{4D1EC440-449E-450C-8397-BEA8C80BD992}" type="presOf" srcId="{CD9492FB-BE25-45EC-8463-1FFDDE2B39DF}" destId="{51EA441B-C57B-433D-9646-85532C1D524F}" srcOrd="0" destOrd="0" presId="urn:microsoft.com/office/officeart/2005/8/layout/orgChart1"/>
-    <dgm:cxn modelId="{B93D100E-E4BF-4866-A6B9-7F7CCF06622F}" type="presOf" srcId="{26663C83-12D6-479F-998D-D29ACB385DC4}" destId="{4DD1F122-87A6-4622-973E-EA069DCE0802}" srcOrd="0" destOrd="0" presId="urn:microsoft.com/office/officeart/2005/8/layout/orgChart1"/>
-    <dgm:cxn modelId="{36F322B1-8585-4AEA-B28E-C8BF76CCD5DB}" type="presOf" srcId="{9F56B558-156C-420E-A41C-D076C52D2CB1}" destId="{5537C1E7-E324-40B9-9FD9-3CDAE515BA2C}" srcOrd="0" destOrd="0" presId="urn:microsoft.com/office/officeart/2005/8/layout/orgChart1"/>
-    <dgm:cxn modelId="{1A4ACE0C-E4C0-4D00-86E8-AD0B0D3ADC37}" type="presOf" srcId="{73A47F89-E190-482F-91E6-9E0B35DC5FA5}" destId="{E8308DBC-F240-4DFA-8DC5-034AA5F48E67}" srcOrd="1" destOrd="0" presId="urn:microsoft.com/office/officeart/2005/8/layout/orgChart1"/>
-    <dgm:cxn modelId="{FFFAA285-0573-46B0-899C-F0A656AAFA57}" type="presOf" srcId="{E69F9754-B433-492E-A0DE-2F8AE212997E}" destId="{DE348845-6D1F-4BC8-9BB1-8D90B84E84AC}" srcOrd="1" destOrd="0" presId="urn:microsoft.com/office/officeart/2005/8/layout/orgChart1"/>
-    <dgm:cxn modelId="{00AA5EEC-AA33-49AF-BB2A-3955046AF545}" type="presOf" srcId="{97E0E60A-6AA0-4E39-8E39-B0EF5A2D50F7}" destId="{37189036-D960-4DA3-808A-7EEFD0DDA2E2}" srcOrd="0" destOrd="0" presId="urn:microsoft.com/office/officeart/2005/8/layout/orgChart1"/>
-    <dgm:cxn modelId="{3CCE254B-9714-42F0-8571-5B286EF93CFA}" type="presOf" srcId="{F90451BA-6985-43DD-8FED-D6387E4CEA79}" destId="{DCB46DA2-2370-459F-BFC7-4BD37C1241BE}" srcOrd="0" destOrd="0" presId="urn:microsoft.com/office/officeart/2005/8/layout/orgChart1"/>
-    <dgm:cxn modelId="{C3007A44-80CF-4A41-8470-6BF7DDA5DD17}" type="presOf" srcId="{BCD302B1-DFEA-44FA-A081-B0A99FAE1E8F}" destId="{693CBE3E-6ACD-4B7F-A3CB-77101F0AEF60}" srcOrd="1" destOrd="0" presId="urn:microsoft.com/office/officeart/2005/8/layout/orgChart1"/>
-    <dgm:cxn modelId="{44C71877-478D-4B88-9A50-94830AE51077}" type="presOf" srcId="{5606DC2D-0E85-4D5E-87C8-9E30A7226C98}" destId="{5AA5D51F-1F0D-46DF-A604-D77A641806FE}" srcOrd="0" destOrd="0" presId="urn:microsoft.com/office/officeart/2005/8/layout/orgChart1"/>
-    <dgm:cxn modelId="{2F7605DF-201E-40E2-B9AA-C8D8EC512836}" type="presOf" srcId="{D122B567-3CF0-4EE7-AA79-B870B1C6DDD3}" destId="{F54BE9DD-8309-480F-AFDB-96F442FE2604}" srcOrd="0" destOrd="0" presId="urn:microsoft.com/office/officeart/2005/8/layout/orgChart1"/>
-    <dgm:cxn modelId="{1A7C354A-DED5-4FF2-AD4C-4BB838CA6646}" type="presOf" srcId="{5606DC2D-0E85-4D5E-87C8-9E30A7226C98}" destId="{ABCD4BDB-7CA3-4A91-856E-CDA61B5F764D}" srcOrd="1" destOrd="0" presId="urn:microsoft.com/office/officeart/2005/8/layout/orgChart1"/>
-    <dgm:cxn modelId="{0BBEC771-4D45-4B05-A2E4-9D2ACDD659D2}" type="presOf" srcId="{C7B4DAE0-A3D2-49CF-A15D-A843106997F2}" destId="{727E7401-5D30-4BC3-93DB-E02199E6C250}" srcOrd="0" destOrd="0" presId="urn:microsoft.com/office/officeart/2005/8/layout/orgChart1"/>
+    <dgm:cxn modelId="{4562F1A3-C1DD-4AA0-A190-2A79425E2F79}" type="presOf" srcId="{84FBFD09-3358-492E-BA6C-8A6C2DCC5531}" destId="{51A4D710-07D7-4CFE-8F67-4B5701B39664}" srcOrd="0" destOrd="0" presId="urn:microsoft.com/office/officeart/2005/8/layout/orgChart1"/>
     <dgm:cxn modelId="{07C77D1E-BF36-4BF4-9139-167E95969753}" type="presOf" srcId="{9F56B558-156C-420E-A41C-D076C52D2CB1}" destId="{980C6E4E-507C-49F9-B43E-7275E028EC5D}" srcOrd="1" destOrd="0" presId="urn:microsoft.com/office/officeart/2005/8/layout/orgChart1"/>
     <dgm:cxn modelId="{B6D7C754-E37B-4158-8010-FA3E394CB2C0}" type="presOf" srcId="{EBCDB6D7-9D0C-478E-8708-6E85ECB5152D}" destId="{8E564517-A918-4529-A03C-29066CBA1EDD}" srcOrd="1" destOrd="0" presId="urn:microsoft.com/office/officeart/2005/8/layout/orgChart1"/>
-    <dgm:cxn modelId="{EB2FBDBC-B858-4804-B09B-3E53FE1891EB}" type="presOf" srcId="{D122B567-3CF0-4EE7-AA79-B870B1C6DDD3}" destId="{59F7E2CF-BD4E-4834-8BC7-3D445922E752}" srcOrd="1" destOrd="0" presId="urn:microsoft.com/office/officeart/2005/8/layout/orgChart1"/>
+    <dgm:cxn modelId="{8DACC172-A851-489D-AB64-3F1AC44D2725}" type="presOf" srcId="{635DFDC6-29D6-49EC-8177-BFFFAEFB1DEA}" destId="{79228B55-2C28-45E3-90E3-255079F2D4CF}" srcOrd="0" destOrd="0" presId="urn:microsoft.com/office/officeart/2005/8/layout/orgChart1"/>
+    <dgm:cxn modelId="{0FBFC2B0-9FDC-4D14-A4EE-4FD6C7D29A17}" type="presOf" srcId="{9B66ED26-AA41-49CF-B71C-AAEEF4AE275B}" destId="{5DBA97F9-4DE5-4A02-8A71-EB200A132383}" srcOrd="1" destOrd="0" presId="urn:microsoft.com/office/officeart/2005/8/layout/orgChart1"/>
     <dgm:cxn modelId="{57EC5EC0-53E9-4D9F-A949-4FC8B586102D}" type="presOf" srcId="{E69F9754-B433-492E-A0DE-2F8AE212997E}" destId="{4B01C2A1-0EEF-4CEB-B16F-2B394E5FD0B9}" srcOrd="0" destOrd="0" presId="urn:microsoft.com/office/officeart/2005/8/layout/orgChart1"/>
-    <dgm:cxn modelId="{8475C8D7-1864-40D9-B827-642D0781A2EF}" type="presOf" srcId="{B7DC8603-2C6C-4F8B-84AF-9ACFA6A5C94F}" destId="{4DB7144A-9172-4C60-84E5-B14DE5ED42E1}" srcOrd="0" destOrd="0" presId="urn:microsoft.com/office/officeart/2005/8/layout/orgChart1"/>
+    <dgm:cxn modelId="{B93D100E-E4BF-4866-A6B9-7F7CCF06622F}" type="presOf" srcId="{26663C83-12D6-479F-998D-D29ACB385DC4}" destId="{4DD1F122-87A6-4622-973E-EA069DCE0802}" srcOrd="0" destOrd="0" presId="urn:microsoft.com/office/officeart/2005/8/layout/orgChart1"/>
+    <dgm:cxn modelId="{4D1EC440-449E-450C-8397-BEA8C80BD992}" type="presOf" srcId="{CD9492FB-BE25-45EC-8463-1FFDDE2B39DF}" destId="{51EA441B-C57B-433D-9646-85532C1D524F}" srcOrd="0" destOrd="0" presId="urn:microsoft.com/office/officeart/2005/8/layout/orgChart1"/>
+    <dgm:cxn modelId="{FA124C40-56AA-490A-A753-BE0990D8ED75}" type="presOf" srcId="{A00B22FA-86E8-4F68-B9F3-96F7B70635B1}" destId="{FFC90F9D-7B2A-48AE-A03C-951DD9EFF07B}" srcOrd="0" destOrd="0" presId="urn:microsoft.com/office/officeart/2005/8/layout/orgChart1"/>
     <dgm:cxn modelId="{DABEBF31-AC18-4606-9D1D-553020AA2526}" srcId="{43BC483D-DACF-4500-8C60-3E6FCB8D8D98}" destId="{635DFDC6-29D6-49EC-8177-BFFFAEFB1DEA}" srcOrd="2" destOrd="0" parTransId="{21E346D0-4324-40C5-BB96-3736E917E1C2}" sibTransId="{B59F23FA-AEE3-4F39-8114-7DD4A4A0E7BD}"/>
-    <dgm:cxn modelId="{43AF5F66-EFDB-42A0-AD61-1DD2674F7EB9}" type="presOf" srcId="{9B66ED26-AA41-49CF-B71C-AAEEF4AE275B}" destId="{6C1BA343-50AB-49B8-9DD5-A2A1557333F5}" srcOrd="0" destOrd="0" presId="urn:microsoft.com/office/officeart/2005/8/layout/orgChart1"/>
-    <dgm:cxn modelId="{8DACC172-A851-489D-AB64-3F1AC44D2725}" type="presOf" srcId="{635DFDC6-29D6-49EC-8177-BFFFAEFB1DEA}" destId="{79228B55-2C28-45E3-90E3-255079F2D4CF}" srcOrd="0" destOrd="0" presId="urn:microsoft.com/office/officeart/2005/8/layout/orgChart1"/>
-    <dgm:cxn modelId="{464AC0E2-393F-4C3A-950F-916B451B3E23}" srcId="{43BC483D-DACF-4500-8C60-3E6FCB8D8D98}" destId="{BCD302B1-DFEA-44FA-A081-B0A99FAE1E8F}" srcOrd="1" destOrd="0" parTransId="{A00B22FA-86E8-4F68-B9F3-96F7B70635B1}" sibTransId="{B1B32B2D-01B4-4DFD-AD2A-158D8C521DEA}"/>
+    <dgm:cxn modelId="{DCB3A9CA-C117-4707-9E53-797C215C21A2}" type="presOf" srcId="{21E346D0-4324-40C5-BB96-3736E917E1C2}" destId="{72A256A5-957A-4915-9AEB-08B17A674935}" srcOrd="0" destOrd="0" presId="urn:microsoft.com/office/officeart/2005/8/layout/orgChart1"/>
+    <dgm:cxn modelId="{38D42C3D-187A-4FD5-8D5C-7AAAFE0B5BB9}" type="presOf" srcId="{635DFDC6-29D6-49EC-8177-BFFFAEFB1DEA}" destId="{28722754-C486-4133-AFF0-11398DE824FB}" srcOrd="1" destOrd="0" presId="urn:microsoft.com/office/officeart/2005/8/layout/orgChart1"/>
+    <dgm:cxn modelId="{6BE9AA45-65A9-4D73-BCBC-6B06C5798ED5}" type="presOf" srcId="{23BB840C-DC10-4229-88D7-C551803488EC}" destId="{0198F015-A086-4E40-8C03-25C9F58385E5}" srcOrd="0" destOrd="0" presId="urn:microsoft.com/office/officeart/2005/8/layout/orgChart1"/>
+    <dgm:cxn modelId="{8B89D32E-5034-43EE-B810-0CBF2605DECA}" srcId="{43BC483D-DACF-4500-8C60-3E6FCB8D8D98}" destId="{B7DC8603-2C6C-4F8B-84AF-9ACFA6A5C94F}" srcOrd="4" destOrd="0" parTransId="{26663C83-12D6-479F-998D-D29ACB385DC4}" sibTransId="{0C11DD98-6C4C-4329-80B7-711DD70C6744}"/>
+    <dgm:cxn modelId="{E263CD5B-67EC-4FBE-8592-30E4499532BA}" srcId="{43BC483D-DACF-4500-8C60-3E6FCB8D8D98}" destId="{5606DC2D-0E85-4D5E-87C8-9E30A7226C98}" srcOrd="0" destOrd="0" parTransId="{7B7FA086-25B0-4AB8-AE53-08ED856AC3DC}" sibTransId="{6F2B8AB3-7A98-4201-A960-1B72B95BFD69}"/>
+    <dgm:cxn modelId="{9F64CDA9-CB86-4690-B903-9203D0221BE1}" type="presOf" srcId="{97E0E60A-6AA0-4E39-8E39-B0EF5A2D50F7}" destId="{6C179032-78D6-4339-8D83-B8863FA950E3}" srcOrd="1" destOrd="0" presId="urn:microsoft.com/office/officeart/2005/8/layout/orgChart1"/>
+    <dgm:cxn modelId="{1A7C354A-DED5-4FF2-AD4C-4BB838CA6646}" type="presOf" srcId="{5606DC2D-0E85-4D5E-87C8-9E30A7226C98}" destId="{ABCD4BDB-7CA3-4A91-856E-CDA61B5F764D}" srcOrd="1" destOrd="0" presId="urn:microsoft.com/office/officeart/2005/8/layout/orgChart1"/>
     <dgm:cxn modelId="{B6D5C82D-8337-4106-95D9-36D901BD704A}" type="presOf" srcId="{183DAC78-240C-4CE9-A36B-DDC3427AA921}" destId="{9DBA5C11-AA3F-4756-8E4A-9BB455948DBA}" srcOrd="0" destOrd="0" presId="urn:microsoft.com/office/officeart/2005/8/layout/orgChart1"/>
-    <dgm:cxn modelId="{DCB3A9CA-C117-4707-9E53-797C215C21A2}" type="presOf" srcId="{21E346D0-4324-40C5-BB96-3736E917E1C2}" destId="{72A256A5-957A-4915-9AEB-08B17A674935}" srcOrd="0" destOrd="0" presId="urn:microsoft.com/office/officeart/2005/8/layout/orgChart1"/>
+    <dgm:cxn modelId="{3BA7BFCF-ABBF-478B-B617-36AF8D6A9042}" srcId="{B7DC8603-2C6C-4F8B-84AF-9ACFA6A5C94F}" destId="{73A47F89-E190-482F-91E6-9E0B35DC5FA5}" srcOrd="0" destOrd="0" parTransId="{CD9492FB-BE25-45EC-8463-1FFDDE2B39DF}" sibTransId="{1BC7731A-FCBA-4500-B92F-17D120F92992}"/>
+    <dgm:cxn modelId="{1C1A2186-7A87-4ACF-A874-1B2075AA3B47}" srcId="{BCD302B1-DFEA-44FA-A081-B0A99FAE1E8F}" destId="{D122B567-3CF0-4EE7-AA79-B870B1C6DDD3}" srcOrd="3" destOrd="0" parTransId="{AA585338-B793-49D8-81C1-F607E05B310B}" sibTransId="{A9A45C80-45A7-470E-A7BE-488427E2F9A2}"/>
+    <dgm:cxn modelId="{36F322B1-8585-4AEA-B28E-C8BF76CCD5DB}" type="presOf" srcId="{9F56B558-156C-420E-A41C-D076C52D2CB1}" destId="{5537C1E7-E324-40B9-9FD9-3CDAE515BA2C}" srcOrd="0" destOrd="0" presId="urn:microsoft.com/office/officeart/2005/8/layout/orgChart1"/>
+    <dgm:cxn modelId="{3E911198-AA18-4D8F-AACC-4F13AE67656C}" srcId="{9F56B558-156C-420E-A41C-D076C52D2CB1}" destId="{DE15FD1A-08D4-4C7A-AC48-F4152B5DAA1B}" srcOrd="0" destOrd="0" parTransId="{84FBFD09-3358-492E-BA6C-8A6C2DCC5531}" sibTransId="{EACFFC38-AB33-4095-8517-25FBC8E60040}"/>
+    <dgm:cxn modelId="{415E1D76-AA15-4E32-9833-BC7A75E8889E}" type="presOf" srcId="{43BC483D-DACF-4500-8C60-3E6FCB8D8D98}" destId="{BF8D9424-B9B2-41E6-B014-419D1F8653D6}" srcOrd="0" destOrd="0" presId="urn:microsoft.com/office/officeart/2005/8/layout/orgChart1"/>
+    <dgm:cxn modelId="{6C4704E1-580A-4CCF-8FDF-1B1AA8B00867}" srcId="{BCD302B1-DFEA-44FA-A081-B0A99FAE1E8F}" destId="{23BB840C-DC10-4229-88D7-C551803488EC}" srcOrd="1" destOrd="0" parTransId="{C7B4DAE0-A3D2-49CF-A15D-A843106997F2}" sibTransId="{73EBC1E9-4A4D-40FD-AA5F-DB3F68D6D096}"/>
+    <dgm:cxn modelId="{D56D74C4-7E03-4ECB-8105-8A87DD15C815}" type="presOf" srcId="{50CCF042-F82E-4566-AFCB-A06515F65820}" destId="{1CEA0C8E-A5F1-4077-9058-1871C0E94C3F}" srcOrd="0" destOrd="0" presId="urn:microsoft.com/office/officeart/2005/8/layout/orgChart1"/>
+    <dgm:cxn modelId="{1A4ACE0C-E4C0-4D00-86E8-AD0B0D3ADC37}" type="presOf" srcId="{73A47F89-E190-482F-91E6-9E0B35DC5FA5}" destId="{E8308DBC-F240-4DFA-8DC5-034AA5F48E67}" srcOrd="1" destOrd="0" presId="urn:microsoft.com/office/officeart/2005/8/layout/orgChart1"/>
+    <dgm:cxn modelId="{3CCE254B-9714-42F0-8571-5B286EF93CFA}" type="presOf" srcId="{F90451BA-6985-43DD-8FED-D6387E4CEA79}" destId="{DCB46DA2-2370-459F-BFC7-4BD37C1241BE}" srcOrd="0" destOrd="0" presId="urn:microsoft.com/office/officeart/2005/8/layout/orgChart1"/>
+    <dgm:cxn modelId="{CC6C17ED-4D5D-4926-9734-4F89E2EA26A9}" srcId="{635DFDC6-29D6-49EC-8177-BFFFAEFB1DEA}" destId="{E69F9754-B433-492E-A0DE-2F8AE212997E}" srcOrd="0" destOrd="0" parTransId="{A767B3C6-7162-45C0-B027-EA01B34ED767}" sibTransId="{9ED10598-3F79-4190-B732-B44397C99246}"/>
+    <dgm:cxn modelId="{9A98A158-E10E-48C6-A65B-78A020DE4492}" type="presOf" srcId="{BCD302B1-DFEA-44FA-A081-B0A99FAE1E8F}" destId="{5CF8DFBC-9C4D-4AFA-BA15-3D75D13A32EE}" srcOrd="0" destOrd="0" presId="urn:microsoft.com/office/officeart/2005/8/layout/orgChart1"/>
+    <dgm:cxn modelId="{011AC67E-C099-499D-B7B8-767E220F50CC}" type="presOf" srcId="{73A47F89-E190-482F-91E6-9E0B35DC5FA5}" destId="{8C646701-CB29-46C5-B706-E9E49D8AEC2D}" srcOrd="0" destOrd="0" presId="urn:microsoft.com/office/officeart/2005/8/layout/orgChart1"/>
     <dgm:cxn modelId="{835690A5-77F5-4390-A496-39F472C7203B}" type="presOf" srcId="{7B7FA086-25B0-4AB8-AE53-08ED856AC3DC}" destId="{DB4B7DE0-80EB-4088-8538-59B4ADBE5420}" srcOrd="0" destOrd="0" presId="urn:microsoft.com/office/officeart/2005/8/layout/orgChart1"/>
-    <dgm:cxn modelId="{77BA465F-03FA-44CA-B8F8-A954BB5BA2A6}" srcId="{BCD302B1-DFEA-44FA-A081-B0A99FAE1E8F}" destId="{EBCDB6D7-9D0C-478E-8708-6E85ECB5152D}" srcOrd="0" destOrd="0" parTransId="{24783B71-1F4B-4303-AE70-398C71E62DC6}" sibTransId="{011747C7-8C53-44F0-8F32-9E4752BB604D}"/>
-    <dgm:cxn modelId="{415E1D76-AA15-4E32-9833-BC7A75E8889E}" type="presOf" srcId="{43BC483D-DACF-4500-8C60-3E6FCB8D8D98}" destId="{BF8D9424-B9B2-41E6-B014-419D1F8653D6}" srcOrd="0" destOrd="0" presId="urn:microsoft.com/office/officeart/2005/8/layout/orgChart1"/>
-    <dgm:cxn modelId="{DC84D65A-FA06-4BB5-AEF9-B2960F17DE75}" srcId="{50CCF042-F82E-4566-AFCB-A06515F65820}" destId="{43BC483D-DACF-4500-8C60-3E6FCB8D8D98}" srcOrd="0" destOrd="0" parTransId="{6EACCAD8-9196-4149-BC77-7AD5B961F5AE}" sibTransId="{3BE8D86B-8129-4B9A-81FB-D4ABB4BDEED2}"/>
-    <dgm:cxn modelId="{38D42C3D-187A-4FD5-8D5C-7AAAFE0B5BB9}" type="presOf" srcId="{635DFDC6-29D6-49EC-8177-BFFFAEFB1DEA}" destId="{28722754-C486-4133-AFF0-11398DE824FB}" srcOrd="1" destOrd="0" presId="urn:microsoft.com/office/officeart/2005/8/layout/orgChart1"/>
     <dgm:cxn modelId="{495EF964-5B69-465C-97BD-13F9EC754828}" type="presParOf" srcId="{1CEA0C8E-A5F1-4077-9058-1871C0E94C3F}" destId="{5526A384-01BD-4B24-97BF-C14CF394C851}" srcOrd="0" destOrd="0" presId="urn:microsoft.com/office/officeart/2005/8/layout/orgChart1"/>
     <dgm:cxn modelId="{795F70A1-04ED-410F-9590-1B8334E5BB48}" type="presParOf" srcId="{5526A384-01BD-4B24-97BF-C14CF394C851}" destId="{85630DE9-0C7F-4070-8524-D62E208D86B9}" srcOrd="0" destOrd="0" presId="urn:microsoft.com/office/officeart/2005/8/layout/orgChart1"/>
     <dgm:cxn modelId="{B8698D86-293F-4D70-AB56-E425A8AF0FE5}" type="presParOf" srcId="{85630DE9-0C7F-4070-8524-D62E208D86B9}" destId="{BF8D9424-B9B2-41E6-B014-419D1F8653D6}" srcOrd="0" destOrd="0" presId="urn:microsoft.com/office/officeart/2005/8/layout/orgChart1"/>
@@ -1945,6 +2040,13 @@
     <dgm:cxn modelId="{CB58358C-CD02-4BF4-A9E3-D6C8D852405B}" type="presParOf" srcId="{AC9B07AE-A909-42D9-A526-6CE7447C81B0}" destId="{5537C1E7-E324-40B9-9FD9-3CDAE515BA2C}" srcOrd="0" destOrd="0" presId="urn:microsoft.com/office/officeart/2005/8/layout/orgChart1"/>
     <dgm:cxn modelId="{5F1BCBD0-2E71-4709-8688-E34B099CDFA0}" type="presParOf" srcId="{AC9B07AE-A909-42D9-A526-6CE7447C81B0}" destId="{980C6E4E-507C-49F9-B43E-7275E028EC5D}" srcOrd="1" destOrd="0" presId="urn:microsoft.com/office/officeart/2005/8/layout/orgChart1"/>
     <dgm:cxn modelId="{912FCF11-B8D1-48E3-AAAE-C75F4E9EFAEF}" type="presParOf" srcId="{4AA5D013-BDDB-4559-9554-B65E538BF684}" destId="{9244B8CC-4566-49EA-A935-23AF3D699F3D}" srcOrd="1" destOrd="0" presId="urn:microsoft.com/office/officeart/2005/8/layout/orgChart1"/>
+    <dgm:cxn modelId="{5E261426-6520-40D9-9EB0-D464F19EB063}" type="presParOf" srcId="{9244B8CC-4566-49EA-A935-23AF3D699F3D}" destId="{51A4D710-07D7-4CFE-8F67-4B5701B39664}" srcOrd="0" destOrd="0" presId="urn:microsoft.com/office/officeart/2005/8/layout/orgChart1"/>
+    <dgm:cxn modelId="{62EF74DC-D658-4637-9B76-8D389F8B6E21}" type="presParOf" srcId="{9244B8CC-4566-49EA-A935-23AF3D699F3D}" destId="{BDDF2880-FCCE-48AB-BEDA-4E464C399628}" srcOrd="1" destOrd="0" presId="urn:microsoft.com/office/officeart/2005/8/layout/orgChart1"/>
+    <dgm:cxn modelId="{1D1904F0-D67F-4C8A-A395-560E80AEB28F}" type="presParOf" srcId="{BDDF2880-FCCE-48AB-BEDA-4E464C399628}" destId="{A7EFFF75-18AB-41C8-837A-E0A811B7E265}" srcOrd="0" destOrd="0" presId="urn:microsoft.com/office/officeart/2005/8/layout/orgChart1"/>
+    <dgm:cxn modelId="{B199BAD3-51C7-42B0-B203-314C6B4847B7}" type="presParOf" srcId="{A7EFFF75-18AB-41C8-837A-E0A811B7E265}" destId="{330999B9-0B68-460F-85D3-B9F7A543D18D}" srcOrd="0" destOrd="0" presId="urn:microsoft.com/office/officeart/2005/8/layout/orgChart1"/>
+    <dgm:cxn modelId="{6E640745-6EB3-4AA3-8BEE-2083E23C0F55}" type="presParOf" srcId="{A7EFFF75-18AB-41C8-837A-E0A811B7E265}" destId="{39F0D859-73C4-41D8-B6DF-A332F819B02E}" srcOrd="1" destOrd="0" presId="urn:microsoft.com/office/officeart/2005/8/layout/orgChart1"/>
+    <dgm:cxn modelId="{71183361-E475-4A48-89C4-2DF910B7B408}" type="presParOf" srcId="{BDDF2880-FCCE-48AB-BEDA-4E464C399628}" destId="{54E87F7C-41BC-41DB-8F45-52DE00DCBAC7}" srcOrd="1" destOrd="0" presId="urn:microsoft.com/office/officeart/2005/8/layout/orgChart1"/>
+    <dgm:cxn modelId="{AB379DA4-C346-4B87-A469-3BC0B4E50F0C}" type="presParOf" srcId="{BDDF2880-FCCE-48AB-BEDA-4E464C399628}" destId="{DCD7B699-57E2-4B73-9452-6C899F3FE708}" srcOrd="2" destOrd="0" presId="urn:microsoft.com/office/officeart/2005/8/layout/orgChart1"/>
     <dgm:cxn modelId="{F6A71B91-543D-420E-A303-AEBEB62964E6}" type="presParOf" srcId="{4AA5D013-BDDB-4559-9554-B65E538BF684}" destId="{58E81DAB-8985-4B55-BCAC-09DFF6B3C14C}" srcOrd="2" destOrd="0" presId="urn:microsoft.com/office/officeart/2005/8/layout/orgChart1"/>
     <dgm:cxn modelId="{CCD9AA41-C85F-4C58-811E-ACC42BFBE15A}" type="presParOf" srcId="{EE2BCBA1-AD03-41B6-8DCF-ACA7DA1E74A1}" destId="{4DD1F122-87A6-4622-973E-EA069DCE0802}" srcOrd="8" destOrd="0" presId="urn:microsoft.com/office/officeart/2005/8/layout/orgChart1"/>
     <dgm:cxn modelId="{4287924F-F176-4A9F-ADC8-875FC9885261}" type="presParOf" srcId="{EE2BCBA1-AD03-41B6-8DCF-ACA7DA1E74A1}" destId="{82434CE2-C457-456D-8BF0-A6538B61DB0A}" srcOrd="9" destOrd="0" presId="urn:microsoft.com/office/officeart/2005/8/layout/orgChart1"/>
@@ -2077,6 +2179,65 @@
           <a:solidFill>
             <a:schemeClr val="accent1">
               <a:shade val="60000"/>
+              <a:hueOff val="0"/>
+              <a:satOff val="0"/>
+              <a:lumOff val="0"/>
+              <a:alphaOff val="0"/>
+            </a:schemeClr>
+          </a:solidFill>
+          <a:prstDash val="solid"/>
+          <a:miter lim="800000"/>
+        </a:ln>
+        <a:effectLst/>
+      </dsp:spPr>
+      <dsp:style>
+        <a:lnRef idx="2">
+          <a:scrgbClr r="0" g="0" b="0"/>
+        </a:lnRef>
+        <a:fillRef idx="0">
+          <a:scrgbClr r="0" g="0" b="0"/>
+        </a:fillRef>
+        <a:effectRef idx="0">
+          <a:scrgbClr r="0" g="0" b="0"/>
+        </a:effectRef>
+        <a:fontRef idx="minor"/>
+      </dsp:style>
+    </dsp:sp>
+    <dsp:sp modelId="{51A4D710-07D7-4CFE-8F67-4B5701B39664}">
+      <dsp:nvSpPr>
+        <dsp:cNvPr id="0" name=""/>
+        <dsp:cNvSpPr/>
+      </dsp:nvSpPr>
+      <dsp:spPr>
+        <a:xfrm>
+          <a:off x="5993110" y="1300810"/>
+          <a:ext cx="161016" cy="493785"/>
+        </a:xfrm>
+        <a:custGeom>
+          <a:avLst/>
+          <a:gdLst/>
+          <a:ahLst/>
+          <a:cxnLst/>
+          <a:rect l="0" t="0" r="0" b="0"/>
+          <a:pathLst>
+            <a:path>
+              <a:moveTo>
+                <a:pt x="0" y="0"/>
+              </a:moveTo>
+              <a:lnTo>
+                <a:pt x="0" y="493785"/>
+              </a:lnTo>
+              <a:lnTo>
+                <a:pt x="161016" y="493785"/>
+              </a:lnTo>
+            </a:path>
+          </a:pathLst>
+        </a:custGeom>
+        <a:noFill/>
+        <a:ln w="12700" cap="flat" cmpd="sng" algn="ctr">
+          <a:solidFill>
+            <a:schemeClr val="accent1">
+              <a:shade val="80000"/>
               <a:hueOff val="0"/>
               <a:satOff val="0"/>
               <a:lumOff val="0"/>
@@ -3000,7 +3161,7 @@
           </a:pPr>
           <a:r>
             <a:rPr lang="de-DE" sz="1200" kern="1200" dirty="0"/>
-            <a:t>Standortleiter „Bodensee“</a:t>
+            <a:t>Standortleiter „Lörrach“</a:t>
           </a:r>
         </a:p>
       </dsp:txBody>
@@ -3552,6 +3713,95 @@
       </dsp:txBody>
       <dsp:txXfrm>
         <a:off x="5885765" y="764087"/>
+        <a:ext cx="1073446" cy="536723"/>
+      </dsp:txXfrm>
+    </dsp:sp>
+    <dsp:sp modelId="{330999B9-0B68-460F-85D3-B9F7A543D18D}">
+      <dsp:nvSpPr>
+        <dsp:cNvPr id="0" name=""/>
+        <dsp:cNvSpPr/>
+      </dsp:nvSpPr>
+      <dsp:spPr>
+        <a:xfrm>
+          <a:off x="6154127" y="1526234"/>
+          <a:ext cx="1073446" cy="536723"/>
+        </a:xfrm>
+        <a:prstGeom prst="rect">
+          <a:avLst/>
+        </a:prstGeom>
+        <a:solidFill>
+          <a:schemeClr val="accent1">
+            <a:hueOff val="0"/>
+            <a:satOff val="0"/>
+            <a:lumOff val="0"/>
+            <a:alphaOff val="0"/>
+          </a:schemeClr>
+        </a:solidFill>
+        <a:ln w="12700" cap="flat" cmpd="sng" algn="ctr">
+          <a:solidFill>
+            <a:schemeClr val="lt1">
+              <a:hueOff val="0"/>
+              <a:satOff val="0"/>
+              <a:lumOff val="0"/>
+              <a:alphaOff val="0"/>
+            </a:schemeClr>
+          </a:solidFill>
+          <a:prstDash val="solid"/>
+          <a:miter lim="800000"/>
+        </a:ln>
+        <a:effectLst/>
+      </dsp:spPr>
+      <dsp:style>
+        <a:lnRef idx="2">
+          <a:scrgbClr r="0" g="0" b="0"/>
+        </a:lnRef>
+        <a:fillRef idx="1">
+          <a:scrgbClr r="0" g="0" b="0"/>
+        </a:fillRef>
+        <a:effectRef idx="0">
+          <a:scrgbClr r="0" g="0" b="0"/>
+        </a:effectRef>
+        <a:fontRef idx="minor">
+          <a:schemeClr val="lt1"/>
+        </a:fontRef>
+      </dsp:style>
+      <dsp:txBody>
+        <a:bodyPr spcFirstLastPara="0" vert="horz" wrap="square" lIns="7620" tIns="7620" rIns="7620" bIns="7620" numCol="1" spcCol="1270" anchor="ctr" anchorCtr="0">
+          <a:noAutofit/>
+        </a:bodyPr>
+        <a:lstStyle/>
+        <a:p>
+          <a:pPr marL="0" lvl="0" indent="0" algn="ctr" defTabSz="533400">
+            <a:lnSpc>
+              <a:spcPct val="90000"/>
+            </a:lnSpc>
+            <a:spcBef>
+              <a:spcPct val="0"/>
+            </a:spcBef>
+            <a:spcAft>
+              <a:spcPct val="35000"/>
+            </a:spcAft>
+            <a:buNone/>
+          </a:pPr>
+          <a:r>
+            <a:rPr lang="de-DE" sz="1200" kern="1200" dirty="0" err="1"/>
+            <a:t>Red</a:t>
+          </a:r>
+          <a:r>
+            <a:rPr lang="de-DE" sz="1200" kern="1200" dirty="0"/>
+            <a:t> Stag GmbH</a:t>
+          </a:r>
+          <a:br>
+            <a:rPr lang="de-DE" sz="1200" kern="1200" dirty="0"/>
+          </a:br>
+          <a:r>
+            <a:rPr lang="de-DE" sz="1200" kern="1200" dirty="0"/>
+            <a:t>„IT Dienstleister“</a:t>
+          </a:r>
+        </a:p>
+      </dsp:txBody>
+      <dsp:txXfrm>
+        <a:off x="6154127" y="1526234"/>
         <a:ext cx="1073446" cy="536723"/>
       </dsp:txXfrm>
     </dsp:sp>
@@ -5940,7 +6190,6 @@
               <a:rPr lang="de-DE"/>
               <a:t>Titelmasterformat durch Klicken bearbeiten</a:t>
             </a:r>
-            <a:endParaRPr lang="de-DE"/>
           </a:p>
         </p:txBody>
       </p:sp>
@@ -6005,7 +6254,6 @@
               <a:rPr lang="de-DE"/>
               <a:t>Formatvorlage des Untertitelmasters durch Klicken bearbeiten</a:t>
             </a:r>
-            <a:endParaRPr lang="de-DE"/>
           </a:p>
         </p:txBody>
       </p:sp>
@@ -6026,7 +6274,7 @@
           <a:p>
             <a:fld id="{3878E6D3-5B8B-485D-963F-4172C98A1497}" type="datetimeFigureOut">
               <a:rPr lang="de-DE" smtClean="0"/>
-              <a:t>21.07.2016</a:t>
+              <a:t>28.07.2016</a:t>
             </a:fld>
             <a:endParaRPr lang="de-DE"/>
           </a:p>
@@ -6123,7 +6371,6 @@
               <a:rPr lang="de-DE"/>
               <a:t>Titelmasterformat durch Klicken bearbeiten</a:t>
             </a:r>
-            <a:endParaRPr lang="de-DE"/>
           </a:p>
         </p:txBody>
       </p:sp>
@@ -6175,7 +6422,6 @@
               <a:rPr lang="de-DE"/>
               <a:t>Fünfte Ebene</a:t>
             </a:r>
-            <a:endParaRPr lang="de-DE"/>
           </a:p>
         </p:txBody>
       </p:sp>
@@ -6196,7 +6442,7 @@
           <a:p>
             <a:fld id="{3878E6D3-5B8B-485D-963F-4172C98A1497}" type="datetimeFigureOut">
               <a:rPr lang="de-DE" smtClean="0"/>
-              <a:t>21.07.2016</a:t>
+              <a:t>28.07.2016</a:t>
             </a:fld>
             <a:endParaRPr lang="de-DE"/>
           </a:p>
@@ -6298,7 +6544,6 @@
               <a:rPr lang="de-DE"/>
               <a:t>Titelmasterformat durch Klicken bearbeiten</a:t>
             </a:r>
-            <a:endParaRPr lang="de-DE"/>
           </a:p>
         </p:txBody>
       </p:sp>
@@ -6355,7 +6600,6 @@
               <a:rPr lang="de-DE"/>
               <a:t>Fünfte Ebene</a:t>
             </a:r>
-            <a:endParaRPr lang="de-DE"/>
           </a:p>
         </p:txBody>
       </p:sp>
@@ -6376,7 +6620,7 @@
           <a:p>
             <a:fld id="{3878E6D3-5B8B-485D-963F-4172C98A1497}" type="datetimeFigureOut">
               <a:rPr lang="de-DE" smtClean="0"/>
-              <a:t>21.07.2016</a:t>
+              <a:t>28.07.2016</a:t>
             </a:fld>
             <a:endParaRPr lang="de-DE"/>
           </a:p>
@@ -6473,7 +6717,6 @@
               <a:rPr lang="de-DE"/>
               <a:t>Titelmasterformat durch Klicken bearbeiten</a:t>
             </a:r>
-            <a:endParaRPr lang="de-DE"/>
           </a:p>
         </p:txBody>
       </p:sp>
@@ -6525,7 +6768,6 @@
               <a:rPr lang="de-DE"/>
               <a:t>Fünfte Ebene</a:t>
             </a:r>
-            <a:endParaRPr lang="de-DE"/>
           </a:p>
         </p:txBody>
       </p:sp>
@@ -6546,7 +6788,7 @@
           <a:p>
             <a:fld id="{3878E6D3-5B8B-485D-963F-4172C98A1497}" type="datetimeFigureOut">
               <a:rPr lang="de-DE" smtClean="0"/>
-              <a:t>21.07.2016</a:t>
+              <a:t>28.07.2016</a:t>
             </a:fld>
             <a:endParaRPr lang="de-DE"/>
           </a:p>
@@ -6652,7 +6894,6 @@
               <a:rPr lang="de-DE"/>
               <a:t>Titelmasterformat durch Klicken bearbeiten</a:t>
             </a:r>
-            <a:endParaRPr lang="de-DE"/>
           </a:p>
         </p:txBody>
       </p:sp>
@@ -6792,7 +7033,7 @@
           <a:p>
             <a:fld id="{3878E6D3-5B8B-485D-963F-4172C98A1497}" type="datetimeFigureOut">
               <a:rPr lang="de-DE" smtClean="0"/>
-              <a:t>21.07.2016</a:t>
+              <a:t>28.07.2016</a:t>
             </a:fld>
             <a:endParaRPr lang="de-DE"/>
           </a:p>
@@ -6889,7 +7130,6 @@
               <a:rPr lang="de-DE"/>
               <a:t>Titelmasterformat durch Klicken bearbeiten</a:t>
             </a:r>
-            <a:endParaRPr lang="de-DE"/>
           </a:p>
         </p:txBody>
       </p:sp>
@@ -6946,7 +7186,6 @@
               <a:rPr lang="de-DE"/>
               <a:t>Fünfte Ebene</a:t>
             </a:r>
-            <a:endParaRPr lang="de-DE"/>
           </a:p>
         </p:txBody>
       </p:sp>
@@ -7003,7 +7242,6 @@
               <a:rPr lang="de-DE"/>
               <a:t>Fünfte Ebene</a:t>
             </a:r>
-            <a:endParaRPr lang="de-DE"/>
           </a:p>
         </p:txBody>
       </p:sp>
@@ -7024,7 +7262,7 @@
           <a:p>
             <a:fld id="{3878E6D3-5B8B-485D-963F-4172C98A1497}" type="datetimeFigureOut">
               <a:rPr lang="de-DE" smtClean="0"/>
-              <a:t>21.07.2016</a:t>
+              <a:t>28.07.2016</a:t>
             </a:fld>
             <a:endParaRPr lang="de-DE"/>
           </a:p>
@@ -7126,7 +7364,6 @@
               <a:rPr lang="de-DE"/>
               <a:t>Titelmasterformat durch Klicken bearbeiten</a:t>
             </a:r>
-            <a:endParaRPr lang="de-DE"/>
           </a:p>
         </p:txBody>
       </p:sp>
@@ -7248,7 +7485,6 @@
               <a:rPr lang="de-DE"/>
               <a:t>Fünfte Ebene</a:t>
             </a:r>
-            <a:endParaRPr lang="de-DE"/>
           </a:p>
         </p:txBody>
       </p:sp>
@@ -7370,7 +7606,6 @@
               <a:rPr lang="de-DE"/>
               <a:t>Fünfte Ebene</a:t>
             </a:r>
-            <a:endParaRPr lang="de-DE"/>
           </a:p>
         </p:txBody>
       </p:sp>
@@ -7391,7 +7626,7 @@
           <a:p>
             <a:fld id="{3878E6D3-5B8B-485D-963F-4172C98A1497}" type="datetimeFigureOut">
               <a:rPr lang="de-DE" smtClean="0"/>
-              <a:t>21.07.2016</a:t>
+              <a:t>28.07.2016</a:t>
             </a:fld>
             <a:endParaRPr lang="de-DE"/>
           </a:p>
@@ -7488,7 +7723,6 @@
               <a:rPr lang="de-DE"/>
               <a:t>Titelmasterformat durch Klicken bearbeiten</a:t>
             </a:r>
-            <a:endParaRPr lang="de-DE"/>
           </a:p>
         </p:txBody>
       </p:sp>
@@ -7509,7 +7743,7 @@
           <a:p>
             <a:fld id="{3878E6D3-5B8B-485D-963F-4172C98A1497}" type="datetimeFigureOut">
               <a:rPr lang="de-DE" smtClean="0"/>
-              <a:t>21.07.2016</a:t>
+              <a:t>28.07.2016</a:t>
             </a:fld>
             <a:endParaRPr lang="de-DE"/>
           </a:p>
@@ -7604,7 +7838,7 @@
           <a:p>
             <a:fld id="{3878E6D3-5B8B-485D-963F-4172C98A1497}" type="datetimeFigureOut">
               <a:rPr lang="de-DE" smtClean="0"/>
-              <a:t>21.07.2016</a:t>
+              <a:t>28.07.2016</a:t>
             </a:fld>
             <a:endParaRPr lang="de-DE"/>
           </a:p>
@@ -7710,7 +7944,6 @@
               <a:rPr lang="de-DE"/>
               <a:t>Titelmasterformat durch Klicken bearbeiten</a:t>
             </a:r>
-            <a:endParaRPr lang="de-DE"/>
           </a:p>
         </p:txBody>
       </p:sp>
@@ -7795,7 +8028,6 @@
               <a:rPr lang="de-DE"/>
               <a:t>Fünfte Ebene</a:t>
             </a:r>
-            <a:endParaRPr lang="de-DE"/>
           </a:p>
         </p:txBody>
       </p:sp>
@@ -7881,7 +8113,7 @@
           <a:p>
             <a:fld id="{3878E6D3-5B8B-485D-963F-4172C98A1497}" type="datetimeFigureOut">
               <a:rPr lang="de-DE" smtClean="0"/>
-              <a:t>21.07.2016</a:t>
+              <a:t>28.07.2016</a:t>
             </a:fld>
             <a:endParaRPr lang="de-DE"/>
           </a:p>
@@ -7987,7 +8219,6 @@
               <a:rPr lang="de-DE"/>
               <a:t>Titelmasterformat durch Klicken bearbeiten</a:t>
             </a:r>
-            <a:endParaRPr lang="de-DE"/>
           </a:p>
         </p:txBody>
       </p:sp>
@@ -8134,7 +8365,7 @@
           <a:p>
             <a:fld id="{3878E6D3-5B8B-485D-963F-4172C98A1497}" type="datetimeFigureOut">
               <a:rPr lang="de-DE" smtClean="0"/>
-              <a:t>21.07.2016</a:t>
+              <a:t>28.07.2016</a:t>
             </a:fld>
             <a:endParaRPr lang="de-DE"/>
           </a:p>
@@ -8246,7 +8477,6 @@
               <a:rPr lang="de-DE"/>
               <a:t>Titelmasterformat durch Klicken bearbeiten</a:t>
             </a:r>
-            <a:endParaRPr lang="de-DE"/>
           </a:p>
         </p:txBody>
       </p:sp>
@@ -8308,7 +8538,6 @@
               <a:rPr lang="de-DE"/>
               <a:t>Fünfte Ebene</a:t>
             </a:r>
-            <a:endParaRPr lang="de-DE"/>
           </a:p>
         </p:txBody>
       </p:sp>
@@ -8347,7 +8576,7 @@
           <a:p>
             <a:fld id="{3878E6D3-5B8B-485D-963F-4172C98A1497}" type="datetimeFigureOut">
               <a:rPr lang="de-DE" smtClean="0"/>
-              <a:t>21.07.2016</a:t>
+              <a:t>28.07.2016</a:t>
             </a:fld>
             <a:endParaRPr lang="de-DE"/>
           </a:p>
@@ -8796,7 +9025,40 @@
           <a:bodyPr/>
           <a:lstStyle/>
           <a:p>
-            <a:endParaRPr lang="de-DE"/>
+            <a:r>
+              <a:rPr lang="de-DE" dirty="0"/>
+              <a:t>Nico </a:t>
+            </a:r>
+            <a:r>
+              <a:rPr lang="de-DE" dirty="0" err="1"/>
+              <a:t>Wickersheim</a:t>
+            </a:r>
+            <a:r>
+              <a:rPr lang="de-DE" dirty="0"/>
+              <a:t>, Artur </a:t>
+            </a:r>
+            <a:r>
+              <a:rPr lang="de-DE" dirty="0" err="1"/>
+              <a:t>Stalbaum</a:t>
+            </a:r>
+            <a:r>
+              <a:rPr lang="de-DE" dirty="0"/>
+              <a:t>, Karsten </a:t>
+            </a:r>
+            <a:r>
+              <a:rPr lang="de-DE" dirty="0" err="1"/>
+              <a:t>Amrein</a:t>
+            </a:r>
+            <a:r>
+              <a:rPr lang="de-DE" dirty="0"/>
+              <a:t>,</a:t>
+            </a:r>
+          </a:p>
+          <a:p>
+            <a:r>
+              <a:rPr lang="de-DE" dirty="0"/>
+              <a:t>Timo Schmidt, Lukas Adler</a:t>
+            </a:r>
           </a:p>
         </p:txBody>
       </p:sp>
@@ -8901,7 +9163,7 @@
         </p:nvSpPr>
         <p:spPr>
           <a:xfrm>
-            <a:off x="5090613" y="5827594"/>
+            <a:off x="4816293" y="5749217"/>
             <a:ext cx="313899" cy="286603"/>
           </a:xfrm>
           <a:prstGeom prst="ellipse">
@@ -9184,7 +9446,7 @@
             <a:pPr lvl="1"/>
             <a:r>
               <a:rPr lang="de-DE" dirty="0"/>
-              <a:t>Bodensee</a:t>
+              <a:t>Lörrach</a:t>
             </a:r>
           </a:p>
           <a:p>
@@ -9272,7 +9534,7 @@
             <p:ph idx="1"/>
             <p:extLst>
               <p:ext uri="{D42A27DB-BD31-4B8C-83A1-F6EECF244321}">
-                <p14:modId xmlns:p14="http://schemas.microsoft.com/office/powerpoint/2010/main" val="605587584"/>
+                <p14:modId xmlns:p14="http://schemas.microsoft.com/office/powerpoint/2010/main" val="124849269"/>
               </p:ext>
             </p:extLst>
           </p:nvPr>
@@ -9445,7 +9707,7 @@
           <a:p>
             <a:r>
               <a:rPr lang="de-DE" dirty="0"/>
-              <a:t>Bodensee</a:t>
+              <a:t>Lörrach</a:t>
             </a:r>
           </a:p>
         </p:txBody>
@@ -9467,7 +9729,7 @@
           <a:p>
             <a:r>
               <a:rPr lang="de-DE" dirty="0"/>
-              <a:t>Anzahl Beschäftigte: 2000</a:t>
+              <a:t>Anzahl Beschäftigte: 2250</a:t>
             </a:r>
           </a:p>
           <a:p>
@@ -9526,6 +9788,413 @@
     <p:extLst>
       <p:ext uri="{BB962C8B-B14F-4D97-AF65-F5344CB8AC3E}">
         <p14:creationId xmlns:p14="http://schemas.microsoft.com/office/powerpoint/2010/main" val="2957742760"/>
+      </p:ext>
+    </p:extLst>
+  </p:cSld>
+  <p:clrMapOvr>
+    <a:masterClrMapping/>
+  </p:clrMapOvr>
+</p:sld>
+</file>
+
+<file path=ppt/slides/slide6.xml><?xml version="1.0" encoding="utf-8"?>
+<p:sld xmlns:a="http://schemas.openxmlformats.org/drawingml/2006/main" xmlns:r="http://schemas.openxmlformats.org/officeDocument/2006/relationships" xmlns:p="http://schemas.openxmlformats.org/presentationml/2006/main">
+  <p:cSld>
+    <p:spTree>
+      <p:nvGrpSpPr>
+        <p:cNvPr id="1" name=""/>
+        <p:cNvGrpSpPr/>
+        <p:nvPr/>
+      </p:nvGrpSpPr>
+      <p:grpSpPr>
+        <a:xfrm>
+          <a:off x="0" y="0"/>
+          <a:ext cx="0" cy="0"/>
+          <a:chOff x="0" y="0"/>
+          <a:chExt cx="0" cy="0"/>
+        </a:xfrm>
+      </p:grpSpPr>
+      <p:sp>
+        <p:nvSpPr>
+          <p:cNvPr id="2" name="Titel 1"/>
+          <p:cNvSpPr>
+            <a:spLocks noGrp="1"/>
+          </p:cNvSpPr>
+          <p:nvPr>
+            <p:ph type="title"/>
+          </p:nvPr>
+        </p:nvSpPr>
+        <p:spPr/>
+        <p:txBody>
+          <a:bodyPr/>
+          <a:lstStyle/>
+          <a:p>
+            <a:r>
+              <a:rPr lang="de-DE" dirty="0"/>
+              <a:t>München</a:t>
+            </a:r>
+          </a:p>
+        </p:txBody>
+      </p:sp>
+      <p:sp>
+        <p:nvSpPr>
+          <p:cNvPr id="3" name="Inhaltsplatzhalter 2"/>
+          <p:cNvSpPr>
+            <a:spLocks noGrp="1"/>
+          </p:cNvSpPr>
+          <p:nvPr>
+            <p:ph idx="1"/>
+          </p:nvPr>
+        </p:nvSpPr>
+        <p:spPr/>
+        <p:txBody>
+          <a:bodyPr/>
+          <a:lstStyle/>
+          <a:p>
+            <a:r>
+              <a:rPr lang="de-DE" dirty="0"/>
+              <a:t>Anzahl Beschäftigte: 100</a:t>
+            </a:r>
+          </a:p>
+          <a:p>
+            <a:r>
+              <a:rPr lang="de-DE" dirty="0"/>
+              <a:t>Hauptaufgaben:</a:t>
+            </a:r>
+          </a:p>
+          <a:p>
+            <a:pPr lvl="1"/>
+            <a:r>
+              <a:rPr lang="de-DE" dirty="0"/>
+              <a:t>Entwicklung</a:t>
+            </a:r>
+          </a:p>
+          <a:p>
+            <a:r>
+              <a:rPr lang="de-DE" dirty="0"/>
+              <a:t>Struktur</a:t>
+            </a:r>
+          </a:p>
+          <a:p>
+            <a:pPr lvl="1"/>
+            <a:r>
+              <a:rPr lang="de-DE" dirty="0"/>
+              <a:t>Standortleiter</a:t>
+            </a:r>
+          </a:p>
+          <a:p>
+            <a:pPr lvl="2"/>
+            <a:r>
+              <a:rPr lang="de-DE" dirty="0"/>
+              <a:t>2 Teamleiter</a:t>
+            </a:r>
+          </a:p>
+          <a:p>
+            <a:pPr lvl="3"/>
+            <a:r>
+              <a:rPr lang="de-DE" dirty="0"/>
+              <a:t>Teams a 50 MA</a:t>
+            </a:r>
+          </a:p>
+          <a:p>
+            <a:pPr lvl="1"/>
+            <a:endParaRPr lang="de-DE" dirty="0"/>
+          </a:p>
+          <a:p>
+            <a:pPr lvl="1"/>
+            <a:endParaRPr lang="de-DE" dirty="0"/>
+          </a:p>
+          <a:p>
+            <a:endParaRPr lang="de-DE" dirty="0"/>
+          </a:p>
+        </p:txBody>
+      </p:sp>
+    </p:spTree>
+    <p:extLst>
+      <p:ext uri="{BB962C8B-B14F-4D97-AF65-F5344CB8AC3E}">
+        <p14:creationId xmlns:p14="http://schemas.microsoft.com/office/powerpoint/2010/main" val="3367155981"/>
+      </p:ext>
+    </p:extLst>
+  </p:cSld>
+  <p:clrMapOvr>
+    <a:masterClrMapping/>
+  </p:clrMapOvr>
+</p:sld>
+</file>
+
+<file path=ppt/slides/slide7.xml><?xml version="1.0" encoding="utf-8"?>
+<p:sld xmlns:a="http://schemas.openxmlformats.org/drawingml/2006/main" xmlns:r="http://schemas.openxmlformats.org/officeDocument/2006/relationships" xmlns:p="http://schemas.openxmlformats.org/presentationml/2006/main">
+  <p:cSld>
+    <p:spTree>
+      <p:nvGrpSpPr>
+        <p:cNvPr id="1" name=""/>
+        <p:cNvGrpSpPr/>
+        <p:nvPr/>
+      </p:nvGrpSpPr>
+      <p:grpSpPr>
+        <a:xfrm>
+          <a:off x="0" y="0"/>
+          <a:ext cx="0" cy="0"/>
+          <a:chOff x="0" y="0"/>
+          <a:chExt cx="0" cy="0"/>
+        </a:xfrm>
+      </p:grpSpPr>
+      <p:sp>
+        <p:nvSpPr>
+          <p:cNvPr id="2" name="Titel 1"/>
+          <p:cNvSpPr>
+            <a:spLocks noGrp="1"/>
+          </p:cNvSpPr>
+          <p:nvPr>
+            <p:ph type="title"/>
+          </p:nvPr>
+        </p:nvSpPr>
+        <p:spPr/>
+        <p:txBody>
+          <a:bodyPr/>
+          <a:lstStyle/>
+          <a:p>
+            <a:r>
+              <a:rPr lang="de-DE" dirty="0"/>
+              <a:t>Hamburg</a:t>
+            </a:r>
+          </a:p>
+        </p:txBody>
+      </p:sp>
+      <p:sp>
+        <p:nvSpPr>
+          <p:cNvPr id="3" name="Inhaltsplatzhalter 2"/>
+          <p:cNvSpPr>
+            <a:spLocks noGrp="1"/>
+          </p:cNvSpPr>
+          <p:nvPr>
+            <p:ph idx="1"/>
+          </p:nvPr>
+        </p:nvSpPr>
+        <p:spPr/>
+        <p:txBody>
+          <a:bodyPr/>
+          <a:lstStyle/>
+          <a:p>
+            <a:r>
+              <a:rPr lang="de-DE" dirty="0"/>
+              <a:t>Anzahl Beschäftigte: 5</a:t>
+            </a:r>
+          </a:p>
+          <a:p>
+            <a:r>
+              <a:rPr lang="de-DE" dirty="0" err="1"/>
+              <a:t>Red</a:t>
+            </a:r>
+            <a:r>
+              <a:rPr lang="de-DE" dirty="0"/>
+              <a:t> Stag </a:t>
+            </a:r>
+            <a:r>
+              <a:rPr lang="de-DE" dirty="0" err="1"/>
+              <a:t>Gmbh</a:t>
+            </a:r>
+            <a:r>
+              <a:rPr lang="de-DE" dirty="0"/>
+              <a:t> </a:t>
+            </a:r>
+            <a:r>
+              <a:rPr lang="de-DE" dirty="0">
+                <a:sym typeface="Wingdings" panose="05000000000000000000" pitchFamily="2" charset="2"/>
+              </a:rPr>
+              <a:t> IT Dienstleister | Tochterunternehmen</a:t>
+            </a:r>
+            <a:endParaRPr lang="de-DE" dirty="0"/>
+          </a:p>
+          <a:p>
+            <a:r>
+              <a:rPr lang="de-DE" dirty="0"/>
+              <a:t>Hauptaufgaben:</a:t>
+            </a:r>
+          </a:p>
+          <a:p>
+            <a:pPr lvl="1"/>
+            <a:r>
+              <a:rPr lang="de-DE" dirty="0"/>
+              <a:t>Entwicklung von Web Applikationen</a:t>
+            </a:r>
+          </a:p>
+          <a:p>
+            <a:r>
+              <a:rPr lang="de-DE" dirty="0"/>
+              <a:t>Struktur</a:t>
+            </a:r>
+          </a:p>
+          <a:p>
+            <a:pPr lvl="1"/>
+            <a:r>
+              <a:rPr lang="de-DE" dirty="0"/>
+              <a:t>Standortleiter</a:t>
+            </a:r>
+          </a:p>
+          <a:p>
+            <a:pPr lvl="2"/>
+            <a:r>
+              <a:rPr lang="de-DE" dirty="0"/>
+              <a:t>1 Bereich</a:t>
+            </a:r>
+          </a:p>
+          <a:p>
+            <a:pPr lvl="3"/>
+            <a:r>
+              <a:rPr lang="de-DE" dirty="0"/>
+              <a:t>5 MA</a:t>
+            </a:r>
+          </a:p>
+          <a:p>
+            <a:pPr lvl="1"/>
+            <a:endParaRPr lang="de-DE" dirty="0"/>
+          </a:p>
+          <a:p>
+            <a:pPr lvl="1"/>
+            <a:endParaRPr lang="de-DE" dirty="0"/>
+          </a:p>
+          <a:p>
+            <a:endParaRPr lang="de-DE" dirty="0"/>
+          </a:p>
+        </p:txBody>
+      </p:sp>
+    </p:spTree>
+    <p:extLst>
+      <p:ext uri="{BB962C8B-B14F-4D97-AF65-F5344CB8AC3E}">
+        <p14:creationId xmlns:p14="http://schemas.microsoft.com/office/powerpoint/2010/main" val="3866655976"/>
+      </p:ext>
+    </p:extLst>
+  </p:cSld>
+  <p:clrMapOvr>
+    <a:masterClrMapping/>
+  </p:clrMapOvr>
+</p:sld>
+</file>
+
+<file path=ppt/slides/slide8.xml><?xml version="1.0" encoding="utf-8"?>
+<p:sld xmlns:a="http://schemas.openxmlformats.org/drawingml/2006/main" xmlns:r="http://schemas.openxmlformats.org/officeDocument/2006/relationships" xmlns:p="http://schemas.openxmlformats.org/presentationml/2006/main">
+  <p:cSld>
+    <p:spTree>
+      <p:nvGrpSpPr>
+        <p:cNvPr id="1" name=""/>
+        <p:cNvGrpSpPr/>
+        <p:nvPr/>
+      </p:nvGrpSpPr>
+      <p:grpSpPr>
+        <a:xfrm>
+          <a:off x="0" y="0"/>
+          <a:ext cx="0" cy="0"/>
+          <a:chOff x="0" y="0"/>
+          <a:chExt cx="0" cy="0"/>
+        </a:xfrm>
+      </p:grpSpPr>
+      <p:sp>
+        <p:nvSpPr>
+          <p:cNvPr id="2" name="Titel 1"/>
+          <p:cNvSpPr>
+            <a:spLocks noGrp="1"/>
+          </p:cNvSpPr>
+          <p:nvPr>
+            <p:ph type="title"/>
+          </p:nvPr>
+        </p:nvSpPr>
+        <p:spPr/>
+        <p:txBody>
+          <a:bodyPr/>
+          <a:lstStyle/>
+          <a:p>
+            <a:r>
+              <a:rPr lang="de-DE" dirty="0"/>
+              <a:t>Berlin</a:t>
+            </a:r>
+          </a:p>
+        </p:txBody>
+      </p:sp>
+      <p:sp>
+        <p:nvSpPr>
+          <p:cNvPr id="3" name="Inhaltsplatzhalter 2"/>
+          <p:cNvSpPr>
+            <a:spLocks noGrp="1"/>
+          </p:cNvSpPr>
+          <p:nvPr>
+            <p:ph idx="1"/>
+          </p:nvPr>
+        </p:nvSpPr>
+        <p:spPr/>
+        <p:txBody>
+          <a:bodyPr/>
+          <a:lstStyle/>
+          <a:p>
+            <a:r>
+              <a:rPr lang="de-DE" dirty="0"/>
+              <a:t>Anzahl Beschäftigte: 100</a:t>
+            </a:r>
+          </a:p>
+          <a:p>
+            <a:r>
+              <a:rPr lang="de-DE" dirty="0"/>
+              <a:t>Hauptaufgaben:</a:t>
+            </a:r>
+          </a:p>
+          <a:p>
+            <a:pPr lvl="1"/>
+            <a:r>
+              <a:rPr lang="de-DE" dirty="0"/>
+              <a:t>Forschung</a:t>
+            </a:r>
+          </a:p>
+          <a:p>
+            <a:r>
+              <a:rPr lang="de-DE" dirty="0"/>
+              <a:t>Struktur</a:t>
+            </a:r>
+          </a:p>
+          <a:p>
+            <a:pPr lvl="1"/>
+            <a:r>
+              <a:rPr lang="de-DE" dirty="0"/>
+              <a:t>Standortleiter</a:t>
+            </a:r>
+          </a:p>
+          <a:p>
+            <a:pPr lvl="2"/>
+            <a:r>
+              <a:rPr lang="de-DE" dirty="0"/>
+              <a:t>2 Bereiche</a:t>
+            </a:r>
+          </a:p>
+          <a:p>
+            <a:pPr lvl="3"/>
+            <a:r>
+              <a:rPr lang="de-DE" dirty="0"/>
+              <a:t>Grundlagen (50MA)</a:t>
+            </a:r>
+          </a:p>
+          <a:p>
+            <a:pPr lvl="3"/>
+            <a:r>
+              <a:rPr lang="de-DE" dirty="0"/>
+              <a:t>Neue Technologien (50MA)</a:t>
+            </a:r>
+          </a:p>
+          <a:p>
+            <a:pPr lvl="1"/>
+            <a:endParaRPr lang="de-DE" dirty="0"/>
+          </a:p>
+          <a:p>
+            <a:pPr lvl="1"/>
+            <a:endParaRPr lang="de-DE" dirty="0"/>
+          </a:p>
+          <a:p>
+            <a:endParaRPr lang="de-DE" dirty="0"/>
+          </a:p>
+        </p:txBody>
+      </p:sp>
+    </p:spTree>
+    <p:extLst>
+      <p:ext uri="{BB962C8B-B14F-4D97-AF65-F5344CB8AC3E}">
+        <p14:creationId xmlns:p14="http://schemas.microsoft.com/office/powerpoint/2010/main" val="1563810482"/>
       </p:ext>
     </p:extLst>
   </p:cSld>
